--- a/wiki/Talks/Presentation.pptx
+++ b/wiki/Talks/Presentation.pptx
@@ -586,7 +586,7 @@
               </a14:hiddenFill>
             </a:ext>
             <a:ext uri="{FAA26D3D-D897-4be2-8F04-BA451C77F1D7}">
-              <ma14:placeholderFlag xmlns="" xmlns:ma14="http://schemas.microsoft.com/office/mac/drawingml/2011/main" val="1"/>
+              <ma14:placeholderFlag xmlns:ma14="http://schemas.microsoft.com/office/mac/drawingml/2011/main" xmlns="" val="1"/>
             </a:ext>
           </a:extLst>
         </p:spPr>
@@ -1116,7 +1116,7 @@
               </a14:hiddenLine>
             </a:ext>
             <a:ext uri="{FAA26D3D-D897-4be2-8F04-BA451C77F1D7}">
-              <ma14:placeholderFlag xmlns="" xmlns:ma14="http://schemas.microsoft.com/office/mac/drawingml/2011/main" val="1"/>
+              <ma14:placeholderFlag xmlns:ma14="http://schemas.microsoft.com/office/mac/drawingml/2011/main" xmlns="" val="1"/>
             </a:ext>
           </a:extLst>
         </p:spPr>
@@ -5104,15 +5104,260 @@
           </a:p>
         </p:txBody>
       </p:sp>
+      <p:sp>
+        <p:nvSpPr>
+          <p:cNvPr id="4" name="Espace réservé du numéro de diapositive 3"/>
+          <p:cNvSpPr>
+            <a:spLocks noGrp="1"/>
+          </p:cNvSpPr>
+          <p:nvPr>
+            <p:ph type="sldNum" sz="quarter" idx="10"/>
+          </p:nvPr>
+        </p:nvSpPr>
+        <p:spPr/>
+        <p:txBody>
+          <a:bodyPr/>
+          <a:lstStyle/>
+          <a:p>
+            <a:pPr>
+              <a:defRPr/>
+            </a:pPr>
+            <a:fld id="{326C6059-A255-C24B-AAEC-93A3405961B0}" type="slidenum">
+              <a:rPr lang="en-US" smtClean="0"/>
+              <a:pPr>
+                <a:defRPr/>
+              </a:pPr>
+              <a:t>3</a:t>
+            </a:fld>
+            <a:endParaRPr lang="en-US" dirty="0"/>
+          </a:p>
+        </p:txBody>
+      </p:sp>
+      <p:sp>
+        <p:nvSpPr>
+          <p:cNvPr id="3" name="Rectangle à coins arrondis 2"/>
+          <p:cNvSpPr/>
+          <p:nvPr/>
+        </p:nvSpPr>
+        <p:spPr>
+          <a:xfrm>
+            <a:off x="532591" y="5486140"/>
+            <a:ext cx="2592288" cy="795455"/>
+          </a:xfrm>
+          <a:prstGeom prst="roundRect">
+            <a:avLst/>
+          </a:prstGeom>
+          <a:solidFill>
+            <a:schemeClr val="accent3">
+              <a:lumMod val="75000"/>
+            </a:schemeClr>
+          </a:solidFill>
+        </p:spPr>
+        <p:style>
+          <a:lnRef idx="1">
+            <a:schemeClr val="accent1"/>
+          </a:lnRef>
+          <a:fillRef idx="3">
+            <a:schemeClr val="accent1"/>
+          </a:fillRef>
+          <a:effectRef idx="2">
+            <a:schemeClr val="accent1"/>
+          </a:effectRef>
+          <a:fontRef idx="minor">
+            <a:schemeClr val="lt1"/>
+          </a:fontRef>
+        </p:style>
+        <p:txBody>
+          <a:bodyPr rtlCol="0" anchor="ctr"/>
+          <a:lstStyle/>
+          <a:p>
+            <a:pPr algn="ctr"/>
+            <a:r>
+              <a:rPr lang="fr-BE" dirty="0" err="1" smtClean="0"/>
+              <a:t>Objects</a:t>
+            </a:r>
+            <a:endParaRPr lang="fr-BE" dirty="0"/>
+          </a:p>
+        </p:txBody>
+      </p:sp>
+      <p:sp>
+        <p:nvSpPr>
+          <p:cNvPr id="6" name="Rectangle à coins arrondis 5"/>
+          <p:cNvSpPr/>
+          <p:nvPr/>
+        </p:nvSpPr>
+        <p:spPr>
+          <a:xfrm>
+            <a:off x="518303" y="4494711"/>
+            <a:ext cx="2613537" cy="704933"/>
+          </a:xfrm>
+          <a:prstGeom prst="roundRect">
+            <a:avLst/>
+          </a:prstGeom>
+        </p:spPr>
+        <p:style>
+          <a:lnRef idx="1">
+            <a:schemeClr val="accent1"/>
+          </a:lnRef>
+          <a:fillRef idx="3">
+            <a:schemeClr val="accent1"/>
+          </a:fillRef>
+          <a:effectRef idx="2">
+            <a:schemeClr val="accent1"/>
+          </a:effectRef>
+          <a:fontRef idx="minor">
+            <a:schemeClr val="lt1"/>
+          </a:fontRef>
+        </p:style>
+        <p:txBody>
+          <a:bodyPr rtlCol="0" anchor="ctr"/>
+          <a:lstStyle/>
+          <a:p>
+            <a:pPr algn="ctr"/>
+            <a:r>
+              <a:rPr lang="fr-BE" dirty="0" smtClean="0"/>
+              <a:t>Object Abstraction</a:t>
+            </a:r>
+            <a:endParaRPr lang="fr-BE" dirty="0"/>
+          </a:p>
+        </p:txBody>
+      </p:sp>
+      <p:sp>
+        <p:nvSpPr>
+          <p:cNvPr id="7" name="Rectangle à coins arrondis 6"/>
+          <p:cNvSpPr/>
+          <p:nvPr/>
+        </p:nvSpPr>
+        <p:spPr>
+          <a:xfrm>
+            <a:off x="518304" y="3455061"/>
+            <a:ext cx="2613536" cy="692304"/>
+          </a:xfrm>
+          <a:prstGeom prst="roundRect">
+            <a:avLst/>
+          </a:prstGeom>
+        </p:spPr>
+        <p:style>
+          <a:lnRef idx="1">
+            <a:schemeClr val="accent1"/>
+          </a:lnRef>
+          <a:fillRef idx="3">
+            <a:schemeClr val="accent1"/>
+          </a:fillRef>
+          <a:effectRef idx="2">
+            <a:schemeClr val="accent1"/>
+          </a:effectRef>
+          <a:fontRef idx="minor">
+            <a:schemeClr val="lt1"/>
+          </a:fontRef>
+        </p:style>
+        <p:txBody>
+          <a:bodyPr rtlCol="0" anchor="ctr"/>
+          <a:lstStyle/>
+          <a:p>
+            <a:pPr algn="ctr"/>
+            <a:r>
+              <a:rPr lang="fr-BE" dirty="0" smtClean="0"/>
+              <a:t>Service Management</a:t>
+            </a:r>
+            <a:endParaRPr lang="fr-BE" dirty="0"/>
+          </a:p>
+        </p:txBody>
+      </p:sp>
+      <p:sp>
+        <p:nvSpPr>
+          <p:cNvPr id="8" name="Rectangle à coins arrondis 7"/>
+          <p:cNvSpPr/>
+          <p:nvPr/>
+        </p:nvSpPr>
+        <p:spPr>
+          <a:xfrm>
+            <a:off x="518303" y="2346969"/>
+            <a:ext cx="2613536" cy="693560"/>
+          </a:xfrm>
+          <a:prstGeom prst="roundRect">
+            <a:avLst/>
+          </a:prstGeom>
+        </p:spPr>
+        <p:style>
+          <a:lnRef idx="1">
+            <a:schemeClr val="accent1"/>
+          </a:lnRef>
+          <a:fillRef idx="3">
+            <a:schemeClr val="accent1"/>
+          </a:fillRef>
+          <a:effectRef idx="2">
+            <a:schemeClr val="accent1"/>
+          </a:effectRef>
+          <a:fontRef idx="minor">
+            <a:schemeClr val="lt1"/>
+          </a:fontRef>
+        </p:style>
+        <p:txBody>
+          <a:bodyPr rtlCol="0" anchor="ctr"/>
+          <a:lstStyle/>
+          <a:p>
+            <a:pPr algn="ctr"/>
+            <a:r>
+              <a:rPr lang="fr-BE" dirty="0" smtClean="0"/>
+              <a:t>Application Layer</a:t>
+            </a:r>
+            <a:endParaRPr lang="fr-BE" dirty="0"/>
+          </a:p>
+        </p:txBody>
+      </p:sp>
+      <p:sp>
+        <p:nvSpPr>
+          <p:cNvPr id="9" name="Rectangle à coins arrondis 8"/>
+          <p:cNvSpPr/>
+          <p:nvPr/>
+        </p:nvSpPr>
+        <p:spPr>
+          <a:xfrm>
+            <a:off x="518303" y="1498714"/>
+            <a:ext cx="2613535" cy="611892"/>
+          </a:xfrm>
+          <a:prstGeom prst="roundRect">
+            <a:avLst/>
+          </a:prstGeom>
+          <a:solidFill>
+            <a:srgbClr val="FFC000"/>
+          </a:solidFill>
+        </p:spPr>
+        <p:style>
+          <a:lnRef idx="1">
+            <a:schemeClr val="accent1"/>
+          </a:lnRef>
+          <a:fillRef idx="3">
+            <a:schemeClr val="accent1"/>
+          </a:fillRef>
+          <a:effectRef idx="2">
+            <a:schemeClr val="accent1"/>
+          </a:effectRef>
+          <a:fontRef idx="minor">
+            <a:schemeClr val="lt1"/>
+          </a:fontRef>
+        </p:style>
+        <p:txBody>
+          <a:bodyPr rtlCol="0" anchor="ctr"/>
+          <a:lstStyle/>
+          <a:p>
+            <a:pPr algn="ctr"/>
+            <a:r>
+              <a:rPr lang="fr-BE" dirty="0" smtClean="0"/>
+              <a:t>Business Layer</a:t>
+            </a:r>
+            <a:endParaRPr lang="fr-BE" dirty="0"/>
+          </a:p>
+        </p:txBody>
+      </p:sp>
       <p:pic>
         <p:nvPicPr>
-          <p:cNvPr id="5" name="Espace réservé du contenu 4"/>
+          <p:cNvPr id="12" name="Image 11"/>
           <p:cNvPicPr>
-            <a:picLocks noGrp="1" noChangeAspect="1"/>
+            <a:picLocks noChangeAspect="1"/>
           </p:cNvPicPr>
-          <p:nvPr>
-            <p:ph idx="1"/>
-          </p:nvPr>
+          <p:nvPr/>
         </p:nvPicPr>
         <p:blipFill>
           <a:blip r:embed="rId2">
@@ -5128,37 +5373,129 @@
         </p:blipFill>
         <p:spPr>
           <a:xfrm>
-            <a:off x="1024419" y="1389063"/>
-            <a:ext cx="6725274" cy="5057775"/>
+            <a:off x="5639544" y="5643551"/>
+            <a:ext cx="2892895" cy="666629"/>
           </a:xfrm>
+          <a:prstGeom prst="rect">
+            <a:avLst/>
+          </a:prstGeom>
+        </p:spPr>
+      </p:pic>
+      <p:pic>
+        <p:nvPicPr>
+          <p:cNvPr id="15" name="Image 14"/>
+          <p:cNvPicPr>
+            <a:picLocks noChangeAspect="1"/>
+          </p:cNvPicPr>
+          <p:nvPr/>
+        </p:nvPicPr>
+        <p:blipFill>
+          <a:blip r:embed="rId3">
+            <a:extLst>
+              <a:ext uri="{28A0092B-C50C-407E-A947-70E740481C1C}">
+                <a14:useLocalDpi xmlns:a14="http://schemas.microsoft.com/office/drawing/2010/main" val="0"/>
+              </a:ext>
+            </a:extLst>
+          </a:blip>
+          <a:stretch>
+            <a:fillRect/>
+          </a:stretch>
+        </p:blipFill>
+        <p:spPr>
+          <a:xfrm>
+            <a:off x="5585757" y="4494711"/>
+            <a:ext cx="2892894" cy="704933"/>
+          </a:xfrm>
+          <a:prstGeom prst="rect">
+            <a:avLst/>
+          </a:prstGeom>
         </p:spPr>
       </p:pic>
       <p:sp>
         <p:nvSpPr>
-          <p:cNvPr id="4" name="Espace réservé du numéro de diapositive 3"/>
-          <p:cNvSpPr>
-            <a:spLocks noGrp="1"/>
-          </p:cNvSpPr>
-          <p:nvPr>
-            <p:ph type="sldNum" sz="quarter" idx="10"/>
-          </p:nvPr>
+          <p:cNvPr id="16" name="Ellipse 15"/>
+          <p:cNvSpPr/>
+          <p:nvPr/>
         </p:nvSpPr>
-        <p:spPr/>
+        <p:spPr>
+          <a:xfrm>
+            <a:off x="5796136" y="3455061"/>
+            <a:ext cx="2448272" cy="692316"/>
+          </a:xfrm>
+          <a:prstGeom prst="ellipse">
+            <a:avLst/>
+          </a:prstGeom>
+        </p:spPr>
+        <p:style>
+          <a:lnRef idx="1">
+            <a:schemeClr val="accent1"/>
+          </a:lnRef>
+          <a:fillRef idx="3">
+            <a:schemeClr val="accent1"/>
+          </a:fillRef>
+          <a:effectRef idx="2">
+            <a:schemeClr val="accent1"/>
+          </a:effectRef>
+          <a:fontRef idx="minor">
+            <a:schemeClr val="lt1"/>
+          </a:fontRef>
+        </p:style>
         <p:txBody>
-          <a:bodyPr/>
+          <a:bodyPr rtlCol="0" anchor="ctr"/>
           <a:lstStyle/>
           <a:p>
-            <a:pPr>
-              <a:defRPr/>
-            </a:pPr>
-            <a:fld id="{326C6059-A255-C24B-AAEC-93A3405961B0}" type="slidenum">
-              <a:rPr lang="en-US" smtClean="0"/>
-              <a:pPr>
-                <a:defRPr/>
-              </a:pPr>
-              <a:t>3</a:t>
-            </a:fld>
-            <a:endParaRPr lang="en-US" dirty="0"/>
+            <a:pPr algn="ctr"/>
+            <a:r>
+              <a:rPr lang="fr-BE" dirty="0" smtClean="0"/>
+              <a:t>Middleware</a:t>
+            </a:r>
+            <a:endParaRPr lang="fr-BE" dirty="0"/>
+          </a:p>
+        </p:txBody>
+      </p:sp>
+      <p:sp>
+        <p:nvSpPr>
+          <p:cNvPr id="18" name="Ellipse 17"/>
+          <p:cNvSpPr/>
+          <p:nvPr/>
+        </p:nvSpPr>
+        <p:spPr>
+          <a:xfrm>
+            <a:off x="5814066" y="2424125"/>
+            <a:ext cx="2448272" cy="692316"/>
+          </a:xfrm>
+          <a:prstGeom prst="ellipse">
+            <a:avLst/>
+          </a:prstGeom>
+        </p:spPr>
+        <p:style>
+          <a:lnRef idx="1">
+            <a:schemeClr val="accent1"/>
+          </a:lnRef>
+          <a:fillRef idx="3">
+            <a:schemeClr val="accent1"/>
+          </a:fillRef>
+          <a:effectRef idx="2">
+            <a:schemeClr val="accent1"/>
+          </a:effectRef>
+          <a:fontRef idx="minor">
+            <a:schemeClr val="lt1"/>
+          </a:fontRef>
+        </p:style>
+        <p:txBody>
+          <a:bodyPr rtlCol="0" anchor="ctr"/>
+          <a:lstStyle/>
+          <a:p>
+            <a:pPr algn="ctr"/>
+            <a:r>
+              <a:rPr lang="fr-BE" dirty="0" smtClean="0"/>
+              <a:t>Température, air </a:t>
+            </a:r>
+            <a:r>
+              <a:rPr lang="fr-BE" dirty="0" err="1" smtClean="0"/>
+              <a:t>humidity</a:t>
+            </a:r>
+            <a:endParaRPr lang="fr-BE" dirty="0"/>
           </a:p>
         </p:txBody>
       </p:sp>
@@ -5175,9 +5512,301 @@
   <p:timing>
     <p:tnLst>
       <p:par>
-        <p:cTn id="1" dur="indefinite" restart="never" nodeType="tmRoot"/>
+        <p:cTn id="1" dur="indefinite" restart="never" nodeType="tmRoot">
+          <p:childTnLst>
+            <p:seq concurrent="1" nextAc="seek">
+              <p:cTn id="2" dur="indefinite" nodeType="mainSeq">
+                <p:childTnLst>
+                  <p:par>
+                    <p:cTn id="3" fill="hold">
+                      <p:stCondLst>
+                        <p:cond delay="indefinite"/>
+                      </p:stCondLst>
+                      <p:childTnLst>
+                        <p:par>
+                          <p:cTn id="4" fill="hold">
+                            <p:stCondLst>
+                              <p:cond delay="0"/>
+                            </p:stCondLst>
+                            <p:childTnLst>
+                              <p:par>
+                                <p:cTn id="5" presetID="1" presetClass="entr" presetSubtype="0" fill="hold" grpId="0" nodeType="clickEffect">
+                                  <p:stCondLst>
+                                    <p:cond delay="0"/>
+                                  </p:stCondLst>
+                                  <p:childTnLst>
+                                    <p:set>
+                                      <p:cBhvr>
+                                        <p:cTn id="6" dur="1" fill="hold">
+                                          <p:stCondLst>
+                                            <p:cond delay="0"/>
+                                          </p:stCondLst>
+                                        </p:cTn>
+                                        <p:tgtEl>
+                                          <p:spTgt spid="6"/>
+                                        </p:tgtEl>
+                                        <p:attrNameLst>
+                                          <p:attrName>style.visibility</p:attrName>
+                                        </p:attrNameLst>
+                                      </p:cBhvr>
+                                      <p:to>
+                                        <p:strVal val="visible"/>
+                                      </p:to>
+                                    </p:set>
+                                  </p:childTnLst>
+                                </p:cTn>
+                              </p:par>
+                              <p:par>
+                                <p:cTn id="7" presetID="1" presetClass="entr" presetSubtype="0" fill="hold" nodeType="withEffect">
+                                  <p:stCondLst>
+                                    <p:cond delay="0"/>
+                                  </p:stCondLst>
+                                  <p:childTnLst>
+                                    <p:set>
+                                      <p:cBhvr>
+                                        <p:cTn id="8" dur="1" fill="hold">
+                                          <p:stCondLst>
+                                            <p:cond delay="0"/>
+                                          </p:stCondLst>
+                                        </p:cTn>
+                                        <p:tgtEl>
+                                          <p:spTgt spid="15"/>
+                                        </p:tgtEl>
+                                        <p:attrNameLst>
+                                          <p:attrName>style.visibility</p:attrName>
+                                        </p:attrNameLst>
+                                      </p:cBhvr>
+                                      <p:to>
+                                        <p:strVal val="visible"/>
+                                      </p:to>
+                                    </p:set>
+                                  </p:childTnLst>
+                                </p:cTn>
+                              </p:par>
+                            </p:childTnLst>
+                          </p:cTn>
+                        </p:par>
+                      </p:childTnLst>
+                    </p:cTn>
+                  </p:par>
+                  <p:par>
+                    <p:cTn id="9" fill="hold">
+                      <p:stCondLst>
+                        <p:cond delay="indefinite"/>
+                      </p:stCondLst>
+                      <p:childTnLst>
+                        <p:par>
+                          <p:cTn id="10" fill="hold">
+                            <p:stCondLst>
+                              <p:cond delay="0"/>
+                            </p:stCondLst>
+                            <p:childTnLst>
+                              <p:par>
+                                <p:cTn id="11" presetID="1" presetClass="entr" presetSubtype="0" fill="hold" grpId="0" nodeType="clickEffect">
+                                  <p:stCondLst>
+                                    <p:cond delay="0"/>
+                                  </p:stCondLst>
+                                  <p:childTnLst>
+                                    <p:set>
+                                      <p:cBhvr>
+                                        <p:cTn id="12" dur="1" fill="hold">
+                                          <p:stCondLst>
+                                            <p:cond delay="0"/>
+                                          </p:stCondLst>
+                                        </p:cTn>
+                                        <p:tgtEl>
+                                          <p:spTgt spid="7"/>
+                                        </p:tgtEl>
+                                        <p:attrNameLst>
+                                          <p:attrName>style.visibility</p:attrName>
+                                        </p:attrNameLst>
+                                      </p:cBhvr>
+                                      <p:to>
+                                        <p:strVal val="visible"/>
+                                      </p:to>
+                                    </p:set>
+                                  </p:childTnLst>
+                                </p:cTn>
+                              </p:par>
+                              <p:par>
+                                <p:cTn id="13" presetID="1" presetClass="entr" presetSubtype="0" fill="hold" grpId="0" nodeType="withEffect">
+                                  <p:stCondLst>
+                                    <p:cond delay="0"/>
+                                  </p:stCondLst>
+                                  <p:childTnLst>
+                                    <p:set>
+                                      <p:cBhvr>
+                                        <p:cTn id="14" dur="1" fill="hold">
+                                          <p:stCondLst>
+                                            <p:cond delay="0"/>
+                                          </p:stCondLst>
+                                        </p:cTn>
+                                        <p:tgtEl>
+                                          <p:spTgt spid="16"/>
+                                        </p:tgtEl>
+                                        <p:attrNameLst>
+                                          <p:attrName>style.visibility</p:attrName>
+                                        </p:attrNameLst>
+                                      </p:cBhvr>
+                                      <p:to>
+                                        <p:strVal val="visible"/>
+                                      </p:to>
+                                    </p:set>
+                                  </p:childTnLst>
+                                </p:cTn>
+                              </p:par>
+                            </p:childTnLst>
+                          </p:cTn>
+                        </p:par>
+                      </p:childTnLst>
+                    </p:cTn>
+                  </p:par>
+                  <p:par>
+                    <p:cTn id="15" fill="hold">
+                      <p:stCondLst>
+                        <p:cond delay="indefinite"/>
+                      </p:stCondLst>
+                      <p:childTnLst>
+                        <p:par>
+                          <p:cTn id="16" fill="hold">
+                            <p:stCondLst>
+                              <p:cond delay="0"/>
+                            </p:stCondLst>
+                            <p:childTnLst>
+                              <p:par>
+                                <p:cTn id="17" presetID="1" presetClass="entr" presetSubtype="0" fill="hold" grpId="0" nodeType="clickEffect">
+                                  <p:stCondLst>
+                                    <p:cond delay="0"/>
+                                  </p:stCondLst>
+                                  <p:childTnLst>
+                                    <p:set>
+                                      <p:cBhvr>
+                                        <p:cTn id="18" dur="1" fill="hold">
+                                          <p:stCondLst>
+                                            <p:cond delay="0"/>
+                                          </p:stCondLst>
+                                        </p:cTn>
+                                        <p:tgtEl>
+                                          <p:spTgt spid="8"/>
+                                        </p:tgtEl>
+                                        <p:attrNameLst>
+                                          <p:attrName>style.visibility</p:attrName>
+                                        </p:attrNameLst>
+                                      </p:cBhvr>
+                                      <p:to>
+                                        <p:strVal val="visible"/>
+                                      </p:to>
+                                    </p:set>
+                                  </p:childTnLst>
+                                </p:cTn>
+                              </p:par>
+                              <p:par>
+                                <p:cTn id="19" presetID="1" presetClass="entr" presetSubtype="0" fill="hold" grpId="0" nodeType="withEffect">
+                                  <p:stCondLst>
+                                    <p:cond delay="0"/>
+                                  </p:stCondLst>
+                                  <p:childTnLst>
+                                    <p:set>
+                                      <p:cBhvr>
+                                        <p:cTn id="20" dur="1" fill="hold">
+                                          <p:stCondLst>
+                                            <p:cond delay="0"/>
+                                          </p:stCondLst>
+                                        </p:cTn>
+                                        <p:tgtEl>
+                                          <p:spTgt spid="18"/>
+                                        </p:tgtEl>
+                                        <p:attrNameLst>
+                                          <p:attrName>style.visibility</p:attrName>
+                                        </p:attrNameLst>
+                                      </p:cBhvr>
+                                      <p:to>
+                                        <p:strVal val="visible"/>
+                                      </p:to>
+                                    </p:set>
+                                  </p:childTnLst>
+                                </p:cTn>
+                              </p:par>
+                            </p:childTnLst>
+                          </p:cTn>
+                        </p:par>
+                      </p:childTnLst>
+                    </p:cTn>
+                  </p:par>
+                  <p:par>
+                    <p:cTn id="21" fill="hold">
+                      <p:stCondLst>
+                        <p:cond delay="indefinite"/>
+                      </p:stCondLst>
+                      <p:childTnLst>
+                        <p:par>
+                          <p:cTn id="22" fill="hold">
+                            <p:stCondLst>
+                              <p:cond delay="0"/>
+                            </p:stCondLst>
+                            <p:childTnLst>
+                              <p:par>
+                                <p:cTn id="23" presetID="1" presetClass="entr" presetSubtype="0" fill="hold" grpId="0" nodeType="clickEffect">
+                                  <p:stCondLst>
+                                    <p:cond delay="0"/>
+                                  </p:stCondLst>
+                                  <p:childTnLst>
+                                    <p:set>
+                                      <p:cBhvr>
+                                        <p:cTn id="24" dur="1" fill="hold">
+                                          <p:stCondLst>
+                                            <p:cond delay="0"/>
+                                          </p:stCondLst>
+                                        </p:cTn>
+                                        <p:tgtEl>
+                                          <p:spTgt spid="9"/>
+                                        </p:tgtEl>
+                                        <p:attrNameLst>
+                                          <p:attrName>style.visibility</p:attrName>
+                                        </p:attrNameLst>
+                                      </p:cBhvr>
+                                      <p:to>
+                                        <p:strVal val="visible"/>
+                                      </p:to>
+                                    </p:set>
+                                  </p:childTnLst>
+                                </p:cTn>
+                              </p:par>
+                            </p:childTnLst>
+                          </p:cTn>
+                        </p:par>
+                      </p:childTnLst>
+                    </p:cTn>
+                  </p:par>
+                </p:childTnLst>
+              </p:cTn>
+              <p:prevCondLst>
+                <p:cond evt="onPrev" delay="0">
+                  <p:tgtEl>
+                    <p:sldTgt/>
+                  </p:tgtEl>
+                </p:cond>
+              </p:prevCondLst>
+              <p:nextCondLst>
+                <p:cond evt="onNext" delay="0">
+                  <p:tgtEl>
+                    <p:sldTgt/>
+                  </p:tgtEl>
+                </p:cond>
+              </p:nextCondLst>
+            </p:seq>
+          </p:childTnLst>
+        </p:cTn>
       </p:par>
     </p:tnLst>
+    <p:bldLst>
+      <p:bldP spid="6" grpId="0" animBg="1"/>
+      <p:bldP spid="7" grpId="0" animBg="1"/>
+      <p:bldP spid="8" grpId="0" animBg="1"/>
+      <p:bldP spid="9" grpId="0" animBg="1"/>
+      <p:bldP spid="16" grpId="0" animBg="1"/>
+      <p:bldP spid="18" grpId="0" animBg="1"/>
+    </p:bldLst>
   </p:timing>
 </p:sld>
 </file>

--- a/wiki/Talks/Presentation.pptx
+++ b/wiki/Talks/Presentation.pptx
@@ -5,10 +5,10 @@
     <p:sldMasterId id="2147483723" r:id="rId1"/>
   </p:sldMasterIdLst>
   <p:notesMasterIdLst>
-    <p:notesMasterId r:id="rId13"/>
+    <p:notesMasterId r:id="rId14"/>
   </p:notesMasterIdLst>
   <p:handoutMasterIdLst>
-    <p:handoutMasterId r:id="rId14"/>
+    <p:handoutMasterId r:id="rId15"/>
   </p:handoutMasterIdLst>
   <p:sldIdLst>
     <p:sldId id="256" r:id="rId2"/>
@@ -19,9 +19,10 @@
     <p:sldId id="518" r:id="rId7"/>
     <p:sldId id="519" r:id="rId8"/>
     <p:sldId id="520" r:id="rId9"/>
-    <p:sldId id="521" r:id="rId10"/>
-    <p:sldId id="522" r:id="rId11"/>
-    <p:sldId id="523" r:id="rId12"/>
+    <p:sldId id="524" r:id="rId10"/>
+    <p:sldId id="521" r:id="rId11"/>
+    <p:sldId id="522" r:id="rId12"/>
+    <p:sldId id="523" r:id="rId13"/>
   </p:sldIdLst>
   <p:sldSz cx="9144000" cy="6858000" type="screen4x3"/>
   <p:notesSz cx="6794500" cy="9906000"/>
@@ -586,7 +587,7 @@
               </a14:hiddenFill>
             </a:ext>
             <a:ext uri="{FAA26D3D-D897-4be2-8F04-BA451C77F1D7}">
-              <ma14:placeholderFlag xmlns:ma14="http://schemas.microsoft.com/office/mac/drawingml/2011/main" xmlns="" val="1"/>
+              <ma14:placeholderFlag xmlns="" xmlns:ma14="http://schemas.microsoft.com/office/mac/drawingml/2011/main" val="1"/>
             </a:ext>
           </a:extLst>
         </p:spPr>
@@ -1116,7 +1117,7 @@
               </a14:hiddenLine>
             </a:ext>
             <a:ext uri="{FAA26D3D-D897-4be2-8F04-BA451C77F1D7}">
-              <ma14:placeholderFlag xmlns:ma14="http://schemas.microsoft.com/office/mac/drawingml/2011/main" xmlns="" val="1"/>
+              <ma14:placeholderFlag xmlns="" xmlns:ma14="http://schemas.microsoft.com/office/mac/drawingml/2011/main" val="1"/>
             </a:ext>
           </a:extLst>
         </p:spPr>
@@ -4523,10 +4524,7 @@
           <a:bodyPr/>
           <a:lstStyle/>
           <a:p>
-            <a:r>
-              <a:rPr lang="fr-BE" dirty="0"/>
-              <a:t>Conclusion</a:t>
-            </a:r>
+            <a:endParaRPr lang="fr-BE"/>
           </a:p>
         </p:txBody>
       </p:sp>
@@ -4540,76 +4538,12 @@
             <p:ph idx="1"/>
           </p:nvPr>
         </p:nvSpPr>
-        <p:spPr>
-          <a:xfrm>
-            <a:off x="457200" y="1844824"/>
-            <a:ext cx="8003232" cy="4601536"/>
-          </a:xfrm>
-        </p:spPr>
+        <p:spPr/>
         <p:txBody>
           <a:bodyPr/>
           <a:lstStyle/>
           <a:p>
-            <a:pPr marL="457200" indent="-457200">
-              <a:buFont typeface="Wingdings" panose="05000000000000000000" pitchFamily="2" charset="2"/>
-              <a:buChar char="§"/>
-            </a:pPr>
-            <a:r>
-              <a:rPr lang="fr-BE" sz="4800" dirty="0" err="1" smtClean="0">
-                <a:solidFill>
-                  <a:schemeClr val="tx1"/>
-                </a:solidFill>
-                <a:latin typeface="Times New Roman" panose="02020603050405020304" pitchFamily="18" charset="0"/>
-                <a:cs typeface="Times New Roman" panose="02020603050405020304" pitchFamily="18" charset="0"/>
-              </a:rPr>
-              <a:t>Level</a:t>
-            </a:r>
-            <a:r>
-              <a:rPr lang="fr-BE" sz="4800" dirty="0" smtClean="0">
-                <a:solidFill>
-                  <a:schemeClr val="tx1"/>
-                </a:solidFill>
-                <a:latin typeface="Times New Roman" panose="02020603050405020304" pitchFamily="18" charset="0"/>
-                <a:cs typeface="Times New Roman" panose="02020603050405020304" pitchFamily="18" charset="0"/>
-              </a:rPr>
-              <a:t> of abstraction</a:t>
-            </a:r>
-          </a:p>
-          <a:p>
-            <a:pPr marL="457200" indent="-457200">
-              <a:buFont typeface="Wingdings" panose="05000000000000000000" pitchFamily="2" charset="2"/>
-              <a:buChar char="§"/>
-            </a:pPr>
-            <a:endParaRPr lang="fr-BE" sz="4800" dirty="0">
-              <a:solidFill>
-                <a:schemeClr val="tx1"/>
-              </a:solidFill>
-              <a:latin typeface="Times New Roman" panose="02020603050405020304" pitchFamily="18" charset="0"/>
-              <a:cs typeface="Times New Roman" panose="02020603050405020304" pitchFamily="18" charset="0"/>
-            </a:endParaRPr>
-          </a:p>
-          <a:p>
-            <a:pPr marL="457200" indent="-457200">
-              <a:buFont typeface="Wingdings" panose="05000000000000000000" pitchFamily="2" charset="2"/>
-              <a:buChar char="§"/>
-            </a:pPr>
-            <a:r>
-              <a:rPr lang="fr-BE" sz="4800" dirty="0" smtClean="0">
-                <a:solidFill>
-                  <a:schemeClr val="tx1"/>
-                </a:solidFill>
-                <a:latin typeface="Times New Roman" panose="02020603050405020304" pitchFamily="18" charset="0"/>
-                <a:cs typeface="Times New Roman" panose="02020603050405020304" pitchFamily="18" charset="0"/>
-              </a:rPr>
-              <a:t>Scenario</a:t>
-            </a:r>
-            <a:endParaRPr lang="fr-BE" sz="4800" dirty="0">
-              <a:solidFill>
-                <a:schemeClr val="tx1"/>
-              </a:solidFill>
-              <a:latin typeface="Times New Roman" panose="02020603050405020304" pitchFamily="18" charset="0"/>
-              <a:cs typeface="Times New Roman" panose="02020603050405020304" pitchFamily="18" charset="0"/>
-            </a:endParaRPr>
+            <a:endParaRPr lang="fr-BE"/>
           </a:p>
         </p:txBody>
       </p:sp>
@@ -4645,7 +4579,7 @@
     </p:spTree>
     <p:extLst>
       <p:ext uri="{BB962C8B-B14F-4D97-AF65-F5344CB8AC3E}">
-        <p14:creationId xmlns:p14="http://schemas.microsoft.com/office/powerpoint/2010/main" val="3304349999"/>
+        <p14:creationId xmlns:p14="http://schemas.microsoft.com/office/powerpoint/2010/main" val="3776774783"/>
       </p:ext>
     </p:extLst>
   </p:cSld>
@@ -4695,6 +4629,177 @@
           <a:lstStyle/>
           <a:p>
             <a:r>
+              <a:rPr lang="fr-BE" dirty="0"/>
+              <a:t>Conclusion</a:t>
+            </a:r>
+          </a:p>
+        </p:txBody>
+      </p:sp>
+      <p:sp>
+        <p:nvSpPr>
+          <p:cNvPr id="3" name="Espace réservé du contenu 2"/>
+          <p:cNvSpPr>
+            <a:spLocks noGrp="1"/>
+          </p:cNvSpPr>
+          <p:nvPr>
+            <p:ph idx="1"/>
+          </p:nvPr>
+        </p:nvSpPr>
+        <p:spPr>
+          <a:xfrm>
+            <a:off x="457200" y="1844824"/>
+            <a:ext cx="8003232" cy="4601536"/>
+          </a:xfrm>
+        </p:spPr>
+        <p:txBody>
+          <a:bodyPr/>
+          <a:lstStyle/>
+          <a:p>
+            <a:pPr marL="457200" indent="-457200">
+              <a:buFont typeface="Wingdings" panose="05000000000000000000" pitchFamily="2" charset="2"/>
+              <a:buChar char="§"/>
+            </a:pPr>
+            <a:r>
+              <a:rPr lang="fr-BE" sz="4800" dirty="0" err="1" smtClean="0">
+                <a:solidFill>
+                  <a:schemeClr val="tx1"/>
+                </a:solidFill>
+                <a:latin typeface="Times New Roman" panose="02020603050405020304" pitchFamily="18" charset="0"/>
+                <a:cs typeface="Times New Roman" panose="02020603050405020304" pitchFamily="18" charset="0"/>
+              </a:rPr>
+              <a:t>Level</a:t>
+            </a:r>
+            <a:r>
+              <a:rPr lang="fr-BE" sz="4800" dirty="0" smtClean="0">
+                <a:solidFill>
+                  <a:schemeClr val="tx1"/>
+                </a:solidFill>
+                <a:latin typeface="Times New Roman" panose="02020603050405020304" pitchFamily="18" charset="0"/>
+                <a:cs typeface="Times New Roman" panose="02020603050405020304" pitchFamily="18" charset="0"/>
+              </a:rPr>
+              <a:t> of abstraction</a:t>
+            </a:r>
+          </a:p>
+          <a:p>
+            <a:pPr marL="457200" indent="-457200">
+              <a:buFont typeface="Wingdings" panose="05000000000000000000" pitchFamily="2" charset="2"/>
+              <a:buChar char="§"/>
+            </a:pPr>
+            <a:endParaRPr lang="fr-BE" sz="4800" dirty="0">
+              <a:solidFill>
+                <a:schemeClr val="tx1"/>
+              </a:solidFill>
+              <a:latin typeface="Times New Roman" panose="02020603050405020304" pitchFamily="18" charset="0"/>
+              <a:cs typeface="Times New Roman" panose="02020603050405020304" pitchFamily="18" charset="0"/>
+            </a:endParaRPr>
+          </a:p>
+          <a:p>
+            <a:pPr marL="457200" indent="-457200">
+              <a:buFont typeface="Wingdings" panose="05000000000000000000" pitchFamily="2" charset="2"/>
+              <a:buChar char="§"/>
+            </a:pPr>
+            <a:r>
+              <a:rPr lang="fr-BE" sz="4800" dirty="0" smtClean="0">
+                <a:solidFill>
+                  <a:schemeClr val="tx1"/>
+                </a:solidFill>
+                <a:latin typeface="Times New Roman" panose="02020603050405020304" pitchFamily="18" charset="0"/>
+                <a:cs typeface="Times New Roman" panose="02020603050405020304" pitchFamily="18" charset="0"/>
+              </a:rPr>
+              <a:t>Scenario</a:t>
+            </a:r>
+            <a:endParaRPr lang="fr-BE" sz="4800" dirty="0">
+              <a:solidFill>
+                <a:schemeClr val="tx1"/>
+              </a:solidFill>
+              <a:latin typeface="Times New Roman" panose="02020603050405020304" pitchFamily="18" charset="0"/>
+              <a:cs typeface="Times New Roman" panose="02020603050405020304" pitchFamily="18" charset="0"/>
+            </a:endParaRPr>
+          </a:p>
+        </p:txBody>
+      </p:sp>
+      <p:sp>
+        <p:nvSpPr>
+          <p:cNvPr id="4" name="Espace réservé du numéro de diapositive 3"/>
+          <p:cNvSpPr>
+            <a:spLocks noGrp="1"/>
+          </p:cNvSpPr>
+          <p:nvPr>
+            <p:ph type="sldNum" sz="quarter" idx="10"/>
+          </p:nvPr>
+        </p:nvSpPr>
+        <p:spPr/>
+        <p:txBody>
+          <a:bodyPr/>
+          <a:lstStyle/>
+          <a:p>
+            <a:pPr>
+              <a:defRPr/>
+            </a:pPr>
+            <a:fld id="{326C6059-A255-C24B-AAEC-93A3405961B0}" type="slidenum">
+              <a:rPr lang="en-US" smtClean="0"/>
+              <a:pPr>
+                <a:defRPr/>
+              </a:pPr>
+              <a:t>11</a:t>
+            </a:fld>
+            <a:endParaRPr lang="en-US" dirty="0"/>
+          </a:p>
+        </p:txBody>
+      </p:sp>
+    </p:spTree>
+    <p:extLst>
+      <p:ext uri="{BB962C8B-B14F-4D97-AF65-F5344CB8AC3E}">
+        <p14:creationId xmlns:p14="http://schemas.microsoft.com/office/powerpoint/2010/main" val="3304349999"/>
+      </p:ext>
+    </p:extLst>
+  </p:cSld>
+  <p:clrMapOvr>
+    <a:masterClrMapping/>
+  </p:clrMapOvr>
+  <p:timing>
+    <p:tnLst>
+      <p:par>
+        <p:cTn id="1" dur="indefinite" restart="never" nodeType="tmRoot"/>
+      </p:par>
+    </p:tnLst>
+  </p:timing>
+</p:sld>
+</file>
+
+<file path=ppt/slides/slide12.xml><?xml version="1.0" encoding="utf-8"?>
+<p:sld xmlns:a="http://schemas.openxmlformats.org/drawingml/2006/main" xmlns:r="http://schemas.openxmlformats.org/officeDocument/2006/relationships" xmlns:p="http://schemas.openxmlformats.org/presentationml/2006/main">
+  <p:cSld>
+    <p:spTree>
+      <p:nvGrpSpPr>
+        <p:cNvPr id="1" name=""/>
+        <p:cNvGrpSpPr/>
+        <p:nvPr/>
+      </p:nvGrpSpPr>
+      <p:grpSpPr>
+        <a:xfrm>
+          <a:off x="0" y="0"/>
+          <a:ext cx="0" cy="0"/>
+          <a:chOff x="0" y="0"/>
+          <a:chExt cx="0" cy="0"/>
+        </a:xfrm>
+      </p:grpSpPr>
+      <p:sp>
+        <p:nvSpPr>
+          <p:cNvPr id="2" name="Titre 1"/>
+          <p:cNvSpPr>
+            <a:spLocks noGrp="1"/>
+          </p:cNvSpPr>
+          <p:nvPr>
+            <p:ph type="title"/>
+          </p:nvPr>
+        </p:nvSpPr>
+        <p:spPr/>
+        <p:txBody>
+          <a:bodyPr/>
+          <a:lstStyle/>
+          <a:p>
+            <a:r>
               <a:rPr lang="fr-BE" dirty="0" err="1"/>
               <a:t>Research</a:t>
             </a:r>
@@ -4830,7 +4935,7 @@
               <a:pPr>
                 <a:defRPr/>
               </a:pPr>
-              <a:t>11</a:t>
+              <a:t>12</a:t>
             </a:fld>
             <a:endParaRPr lang="en-US" dirty="0"/>
           </a:p>
@@ -5141,8 +5246,8 @@
         </p:nvSpPr>
         <p:spPr>
           <a:xfrm>
-            <a:off x="532591" y="5486140"/>
-            <a:ext cx="2592288" cy="795455"/>
+            <a:off x="499912" y="6110307"/>
+            <a:ext cx="2599247" cy="391132"/>
           </a:xfrm>
           <a:prstGeom prst="roundRect">
             <a:avLst/>
@@ -5188,8 +5293,8 @@
         </p:nvSpPr>
         <p:spPr>
           <a:xfrm>
-            <a:off x="518303" y="4494711"/>
-            <a:ext cx="2613537" cy="704933"/>
+            <a:off x="518303" y="5491820"/>
+            <a:ext cx="2580856" cy="508760"/>
           </a:xfrm>
           <a:prstGeom prst="roundRect">
             <a:avLst/>
@@ -5230,8 +5335,8 @@
         </p:nvSpPr>
         <p:spPr>
           <a:xfrm>
-            <a:off x="518304" y="3455061"/>
-            <a:ext cx="2613536" cy="692304"/>
+            <a:off x="518303" y="4380182"/>
+            <a:ext cx="2580856" cy="511113"/>
           </a:xfrm>
           <a:prstGeom prst="roundRect">
             <a:avLst/>
@@ -5272,7 +5377,7 @@
         </p:nvSpPr>
         <p:spPr>
           <a:xfrm>
-            <a:off x="518303" y="2346969"/>
+            <a:off x="485623" y="2969291"/>
             <a:ext cx="2613536" cy="693560"/>
           </a:xfrm>
           <a:prstGeom prst="roundRect">
@@ -5373,8 +5478,8 @@
         </p:blipFill>
         <p:spPr>
           <a:xfrm>
-            <a:off x="5639544" y="5643551"/>
-            <a:ext cx="2892895" cy="666629"/>
+            <a:off x="4067944" y="5445312"/>
+            <a:ext cx="4819268" cy="1110536"/>
           </a:xfrm>
           <a:prstGeom prst="rect">
             <a:avLst/>
@@ -5403,7 +5508,7 @@
         </p:blipFill>
         <p:spPr>
           <a:xfrm>
-            <a:off x="5585757" y="4494711"/>
+            <a:off x="4572000" y="4494710"/>
             <a:ext cx="2892894" cy="704933"/>
           </a:xfrm>
           <a:prstGeom prst="rect">
@@ -5419,7 +5524,7 @@
         </p:nvSpPr>
         <p:spPr>
           <a:xfrm>
-            <a:off x="5796136" y="3455061"/>
+            <a:off x="6695728" y="3436221"/>
             <a:ext cx="2448272" cy="692316"/>
           </a:xfrm>
           <a:prstGeom prst="ellipse">
@@ -5461,7 +5566,7 @@
         </p:nvSpPr>
         <p:spPr>
           <a:xfrm>
-            <a:off x="5814066" y="2424125"/>
+            <a:off x="6699870" y="2420106"/>
             <a:ext cx="2448272" cy="692316"/>
           </a:xfrm>
           <a:prstGeom prst="ellipse">
@@ -5496,6 +5601,172 @@
               <a:t>humidity</a:t>
             </a:r>
             <a:endParaRPr lang="fr-BE" dirty="0"/>
+          </a:p>
+        </p:txBody>
+      </p:sp>
+      <p:sp>
+        <p:nvSpPr>
+          <p:cNvPr id="13" name="ZoneTexte 12"/>
+          <p:cNvSpPr txBox="1"/>
+          <p:nvPr/>
+        </p:nvSpPr>
+        <p:spPr>
+          <a:xfrm>
+            <a:off x="1808731" y="5045190"/>
+            <a:ext cx="2448272" cy="400110"/>
+          </a:xfrm>
+          <a:prstGeom prst="rect">
+            <a:avLst/>
+          </a:prstGeom>
+          <a:noFill/>
+        </p:spPr>
+        <p:txBody>
+          <a:bodyPr wrap="square" rtlCol="0">
+            <a:spAutoFit/>
+          </a:bodyPr>
+          <a:lstStyle/>
+          <a:p>
+            <a:r>
+              <a:rPr lang="fr-FR" dirty="0" smtClean="0"/>
+              <a:t>Infrastructure Layer</a:t>
+            </a:r>
+            <a:endParaRPr lang="fr-FR" dirty="0"/>
+          </a:p>
+        </p:txBody>
+      </p:sp>
+      <p:cxnSp>
+        <p:nvCxnSpPr>
+          <p:cNvPr id="21" name="Connecteur droit avec flèche 20"/>
+          <p:cNvCxnSpPr/>
+          <p:nvPr/>
+        </p:nvCxnSpPr>
+        <p:spPr>
+          <a:xfrm>
+            <a:off x="1619672" y="4941168"/>
+            <a:ext cx="0" cy="504132"/>
+          </a:xfrm>
+          <a:prstGeom prst="straightConnector1">
+            <a:avLst/>
+          </a:prstGeom>
+          <a:ln>
+            <a:headEnd type="triangle"/>
+            <a:tailEnd type="triangle"/>
+          </a:ln>
+        </p:spPr>
+        <p:style>
+          <a:lnRef idx="2">
+            <a:schemeClr val="accent1"/>
+          </a:lnRef>
+          <a:fillRef idx="0">
+            <a:schemeClr val="accent1"/>
+          </a:fillRef>
+          <a:effectRef idx="1">
+            <a:schemeClr val="accent1"/>
+          </a:effectRef>
+          <a:fontRef idx="minor">
+            <a:schemeClr val="tx1"/>
+          </a:fontRef>
+        </p:style>
+      </p:cxnSp>
+      <p:sp>
+        <p:nvSpPr>
+          <p:cNvPr id="22" name="ZoneTexte 21"/>
+          <p:cNvSpPr txBox="1"/>
+          <p:nvPr/>
+        </p:nvSpPr>
+        <p:spPr>
+          <a:xfrm>
+            <a:off x="1808731" y="3886401"/>
+            <a:ext cx="2448272" cy="400110"/>
+          </a:xfrm>
+          <a:prstGeom prst="rect">
+            <a:avLst/>
+          </a:prstGeom>
+          <a:noFill/>
+        </p:spPr>
+        <p:txBody>
+          <a:bodyPr wrap="square" rtlCol="0">
+            <a:spAutoFit/>
+          </a:bodyPr>
+          <a:lstStyle/>
+          <a:p>
+            <a:r>
+              <a:rPr lang="fr-FR" dirty="0" smtClean="0"/>
+              <a:t>Application Layer</a:t>
+            </a:r>
+            <a:endParaRPr lang="fr-FR" dirty="0"/>
+          </a:p>
+        </p:txBody>
+      </p:sp>
+      <p:cxnSp>
+        <p:nvCxnSpPr>
+          <p:cNvPr id="23" name="Connecteur droit avec flèche 22"/>
+          <p:cNvCxnSpPr/>
+          <p:nvPr/>
+        </p:nvCxnSpPr>
+        <p:spPr>
+          <a:xfrm>
+            <a:off x="1619672" y="3782379"/>
+            <a:ext cx="0" cy="504132"/>
+          </a:xfrm>
+          <a:prstGeom prst="straightConnector1">
+            <a:avLst/>
+          </a:prstGeom>
+          <a:ln>
+            <a:headEnd type="triangle"/>
+            <a:tailEnd type="triangle"/>
+          </a:ln>
+        </p:spPr>
+        <p:style>
+          <a:lnRef idx="2">
+            <a:schemeClr val="accent1"/>
+          </a:lnRef>
+          <a:fillRef idx="0">
+            <a:schemeClr val="accent1"/>
+          </a:fillRef>
+          <a:effectRef idx="1">
+            <a:schemeClr val="accent1"/>
+          </a:effectRef>
+          <a:fontRef idx="minor">
+            <a:schemeClr val="tx1"/>
+          </a:fontRef>
+        </p:style>
+      </p:cxnSp>
+      <p:sp>
+        <p:nvSpPr>
+          <p:cNvPr id="24" name="ZoneTexte 23"/>
+          <p:cNvSpPr txBox="1"/>
+          <p:nvPr/>
+        </p:nvSpPr>
+        <p:spPr>
+          <a:xfrm>
+            <a:off x="4505708" y="3866561"/>
+            <a:ext cx="2448272" cy="400110"/>
+          </a:xfrm>
+          <a:prstGeom prst="rect">
+            <a:avLst/>
+          </a:prstGeom>
+          <a:noFill/>
+        </p:spPr>
+        <p:txBody>
+          <a:bodyPr wrap="square" rtlCol="0">
+            <a:spAutoFit/>
+          </a:bodyPr>
+          <a:lstStyle/>
+          <a:p>
+            <a:r>
+              <a:rPr lang="fr-FR" dirty="0" smtClean="0"/>
+              <a:t>DDS, </a:t>
+            </a:r>
+            <a:r>
+              <a:rPr lang="fr-FR" dirty="0" err="1" smtClean="0"/>
+              <a:t>CoAP</a:t>
+            </a:r>
+            <a:r>
+              <a:rPr lang="fr-FR" dirty="0" smtClean="0"/>
+              <a:t>, MQTT</a:t>
+            </a:r>
+            <a:endParaRPr lang="fr-FR" dirty="0"/>
           </a:p>
         </p:txBody>
       </p:sp>
@@ -6236,7 +6507,7 @@
         </p:blipFill>
         <p:spPr>
           <a:xfrm>
-            <a:off x="611560" y="1389063"/>
+            <a:off x="611560" y="1467569"/>
             <a:ext cx="7598054" cy="5057775"/>
           </a:xfrm>
         </p:spPr>
@@ -6334,35 +6605,6 @@
           </a:p>
         </p:txBody>
       </p:sp>
-      <p:pic>
-        <p:nvPicPr>
-          <p:cNvPr id="5" name="Espace réservé du contenu 4"/>
-          <p:cNvPicPr>
-            <a:picLocks noGrp="1" noChangeAspect="1"/>
-          </p:cNvPicPr>
-          <p:nvPr>
-            <p:ph idx="1"/>
-          </p:nvPr>
-        </p:nvPicPr>
-        <p:blipFill>
-          <a:blip r:embed="rId2">
-            <a:extLst>
-              <a:ext uri="{28A0092B-C50C-407E-A947-70E740481C1C}">
-                <a14:useLocalDpi xmlns:a14="http://schemas.microsoft.com/office/drawing/2010/main" val="0"/>
-              </a:ext>
-            </a:extLst>
-          </a:blip>
-          <a:stretch>
-            <a:fillRect/>
-          </a:stretch>
-        </p:blipFill>
-        <p:spPr>
-          <a:xfrm>
-            <a:off x="395536" y="1389063"/>
-            <a:ext cx="8291264" cy="5057775"/>
-          </a:xfrm>
-        </p:spPr>
-      </p:pic>
       <p:sp>
         <p:nvSpPr>
           <p:cNvPr id="4" name="Espace réservé du numéro de diapositive 3"/>
@@ -6389,6 +6631,59 @@
               <a:t>8</a:t>
             </a:fld>
             <a:endParaRPr lang="en-US" dirty="0"/>
+          </a:p>
+        </p:txBody>
+      </p:sp>
+      <p:sp>
+        <p:nvSpPr>
+          <p:cNvPr id="3" name="Espace réservé du contenu 2"/>
+          <p:cNvSpPr>
+            <a:spLocks noGrp="1"/>
+          </p:cNvSpPr>
+          <p:nvPr>
+            <p:ph idx="1"/>
+          </p:nvPr>
+        </p:nvSpPr>
+        <p:spPr/>
+        <p:txBody>
+          <a:bodyPr/>
+          <a:lstStyle/>
+          <a:p>
+            <a:pPr marL="514350" indent="-514350">
+              <a:buAutoNum type="arabicPeriod"/>
+            </a:pPr>
+            <a:r>
+              <a:rPr lang="fr-FR" dirty="0" smtClean="0"/>
+              <a:t>Type </a:t>
+            </a:r>
+            <a:r>
+              <a:rPr lang="fr-FR" dirty="0" err="1" smtClean="0"/>
+              <a:t>Declaration</a:t>
+            </a:r>
+            <a:endParaRPr lang="fr-FR" dirty="0" smtClean="0"/>
+          </a:p>
+          <a:p>
+            <a:pPr marL="514350" indent="-514350">
+              <a:buAutoNum type="arabicPeriod"/>
+            </a:pPr>
+            <a:r>
+              <a:rPr lang="fr-FR" dirty="0" smtClean="0"/>
+              <a:t>Network Configuration</a:t>
+            </a:r>
+          </a:p>
+          <a:p>
+            <a:pPr marL="514350" indent="-514350">
+              <a:buAutoNum type="arabicPeriod"/>
+            </a:pPr>
+            <a:r>
+              <a:rPr lang="fr-FR" dirty="0" smtClean="0"/>
+              <a:t>Business </a:t>
+            </a:r>
+            <a:r>
+              <a:rPr lang="fr-FR" dirty="0" err="1" smtClean="0"/>
+              <a:t>Rules</a:t>
+            </a:r>
+            <a:endParaRPr lang="fr-FR" dirty="0"/>
           </a:p>
         </p:txBody>
       </p:sp>
@@ -6444,26 +6739,15 @@
           <a:bodyPr/>
           <a:lstStyle/>
           <a:p>
-            <a:endParaRPr lang="fr-BE"/>
-          </a:p>
-        </p:txBody>
-      </p:sp>
-      <p:sp>
-        <p:nvSpPr>
-          <p:cNvPr id="3" name="Espace réservé du contenu 2"/>
-          <p:cNvSpPr>
-            <a:spLocks noGrp="1"/>
-          </p:cNvSpPr>
-          <p:nvPr>
-            <p:ph idx="1"/>
-          </p:nvPr>
-        </p:nvSpPr>
-        <p:spPr/>
-        <p:txBody>
-          <a:bodyPr/>
-          <a:lstStyle/>
-          <a:p>
-            <a:endParaRPr lang="fr-BE"/>
+            <a:r>
+              <a:rPr lang="fr-FR" dirty="0" smtClean="0"/>
+              <a:t>Type </a:t>
+            </a:r>
+            <a:r>
+              <a:rPr lang="fr-FR" dirty="0" err="1" smtClean="0"/>
+              <a:t>Declaration</a:t>
+            </a:r>
+            <a:endParaRPr lang="fr-FR" dirty="0"/>
           </a:p>
         </p:txBody>
       </p:sp>
@@ -6499,20 +6783,13 @@
     </p:spTree>
     <p:extLst>
       <p:ext uri="{BB962C8B-B14F-4D97-AF65-F5344CB8AC3E}">
-        <p14:creationId xmlns:p14="http://schemas.microsoft.com/office/powerpoint/2010/main" val="3776774783"/>
+        <p14:creationId xmlns:p14="http://schemas.microsoft.com/office/powerpoint/2010/main" val="432675250"/>
       </p:ext>
     </p:extLst>
   </p:cSld>
   <p:clrMapOvr>
     <a:masterClrMapping/>
   </p:clrMapOvr>
-  <p:timing>
-    <p:tnLst>
-      <p:par>
-        <p:cTn id="1" dur="indefinite" restart="never" nodeType="tmRoot"/>
-      </p:par>
-    </p:tnLst>
-  </p:timing>
 </p:sld>
 </file>
 

--- a/wiki/Talks/Presentation.pptx
+++ b/wiki/Talks/Presentation.pptx
@@ -5,24 +5,25 @@
     <p:sldMasterId id="2147483723" r:id="rId1"/>
   </p:sldMasterIdLst>
   <p:notesMasterIdLst>
-    <p:notesMasterId r:id="rId14"/>
+    <p:notesMasterId r:id="rId15"/>
   </p:notesMasterIdLst>
   <p:handoutMasterIdLst>
-    <p:handoutMasterId r:id="rId15"/>
+    <p:handoutMasterId r:id="rId16"/>
   </p:handoutMasterIdLst>
   <p:sldIdLst>
     <p:sldId id="256" r:id="rId2"/>
     <p:sldId id="487" r:id="rId3"/>
-    <p:sldId id="515" r:id="rId4"/>
-    <p:sldId id="516" r:id="rId5"/>
-    <p:sldId id="517" r:id="rId6"/>
-    <p:sldId id="518" r:id="rId7"/>
-    <p:sldId id="519" r:id="rId8"/>
-    <p:sldId id="520" r:id="rId9"/>
-    <p:sldId id="524" r:id="rId10"/>
-    <p:sldId id="521" r:id="rId11"/>
+    <p:sldId id="517" r:id="rId4"/>
+    <p:sldId id="515" r:id="rId5"/>
+    <p:sldId id="526" r:id="rId6"/>
+    <p:sldId id="519" r:id="rId7"/>
+    <p:sldId id="520" r:id="rId8"/>
+    <p:sldId id="524" r:id="rId9"/>
+    <p:sldId id="521" r:id="rId10"/>
+    <p:sldId id="529" r:id="rId11"/>
     <p:sldId id="522" r:id="rId12"/>
-    <p:sldId id="523" r:id="rId13"/>
+    <p:sldId id="528" r:id="rId13"/>
+    <p:sldId id="527" r:id="rId14"/>
   </p:sldIdLst>
   <p:sldSz cx="9144000" cy="6858000" type="screen4x3"/>
   <p:notesSz cx="6794500" cy="9906000"/>
@@ -4524,7 +4525,15 @@
           <a:bodyPr/>
           <a:lstStyle/>
           <a:p>
-            <a:endParaRPr lang="fr-BE"/>
+            <a:r>
+              <a:rPr lang="fr-BE" dirty="0" smtClean="0"/>
+              <a:t>Business </a:t>
+            </a:r>
+            <a:r>
+              <a:rPr lang="fr-BE" dirty="0" err="1" smtClean="0"/>
+              <a:t>Rules</a:t>
+            </a:r>
+            <a:endParaRPr lang="fr-BE" dirty="0"/>
           </a:p>
         </p:txBody>
       </p:sp>
@@ -4579,7 +4588,7 @@
     </p:spTree>
     <p:extLst>
       <p:ext uri="{BB962C8B-B14F-4D97-AF65-F5344CB8AC3E}">
-        <p14:creationId xmlns:p14="http://schemas.microsoft.com/office/powerpoint/2010/main" val="3776774783"/>
+        <p14:creationId xmlns:p14="http://schemas.microsoft.com/office/powerpoint/2010/main" val="4059134957"/>
       </p:ext>
     </p:extLst>
   </p:cSld>
@@ -4800,13 +4809,10 @@
           <a:lstStyle/>
           <a:p>
             <a:r>
-              <a:rPr lang="fr-BE" dirty="0" err="1"/>
-              <a:t>Research</a:t>
-            </a:r>
-            <a:r>
-              <a:rPr lang="fr-BE" dirty="0"/>
-              <a:t> Axis</a:t>
-            </a:r>
+              <a:rPr lang="fr-BE" smtClean="0"/>
+              <a:t>Proposal</a:t>
+            </a:r>
+            <a:endParaRPr lang="fr-BE" dirty="0"/>
           </a:p>
         </p:txBody>
       </p:sp>
@@ -4822,29 +4828,13 @@
         </p:nvSpPr>
         <p:spPr>
           <a:xfrm>
-            <a:off x="457200" y="1628800"/>
-            <a:ext cx="7067128" cy="4817560"/>
+            <a:off x="251520" y="1412776"/>
+            <a:ext cx="8640960" cy="5033584"/>
           </a:xfrm>
         </p:spPr>
         <p:txBody>
           <a:bodyPr/>
           <a:lstStyle/>
-          <a:p>
-            <a:pPr marL="457200" indent="-457200">
-              <a:buFont typeface="Arial" panose="020B0604020202020204" pitchFamily="34" charset="0"/>
-              <a:buChar char="•"/>
-            </a:pPr>
-            <a:r>
-              <a:rPr lang="fr-BE" sz="4000" dirty="0" smtClean="0">
-                <a:solidFill>
-                  <a:schemeClr val="tx1"/>
-                </a:solidFill>
-                <a:latin typeface="Times New Roman" panose="02020603050405020304" pitchFamily="18" charset="0"/>
-                <a:cs typeface="Times New Roman" panose="02020603050405020304" pitchFamily="18" charset="0"/>
-              </a:rPr>
-              <a:t>Scenario</a:t>
-            </a:r>
-          </a:p>
           <a:p>
             <a:pPr marL="457200" indent="-457200">
               <a:buFont typeface="Arial" panose="020B0604020202020204" pitchFamily="34" charset="0"/>
@@ -4863,46 +4853,7 @@
               <a:buFont typeface="Arial" panose="020B0604020202020204" pitchFamily="34" charset="0"/>
               <a:buChar char="•"/>
             </a:pPr>
-            <a:r>
-              <a:rPr lang="fr-BE" sz="4000" dirty="0" smtClean="0">
-                <a:solidFill>
-                  <a:schemeClr val="tx1"/>
-                </a:solidFill>
-                <a:latin typeface="Times New Roman" panose="02020603050405020304" pitchFamily="18" charset="0"/>
-                <a:cs typeface="Times New Roman" panose="02020603050405020304" pitchFamily="18" charset="0"/>
-              </a:rPr>
-              <a:t>DSL</a:t>
-            </a:r>
-          </a:p>
-          <a:p>
-            <a:pPr marL="457200" indent="-457200">
-              <a:buFont typeface="Arial" panose="020B0604020202020204" pitchFamily="34" charset="0"/>
-              <a:buChar char="•"/>
-            </a:pPr>
             <a:endParaRPr lang="fr-BE" sz="4000" dirty="0" smtClean="0">
-              <a:solidFill>
-                <a:schemeClr val="tx1"/>
-              </a:solidFill>
-              <a:latin typeface="Times New Roman" panose="02020603050405020304" pitchFamily="18" charset="0"/>
-              <a:cs typeface="Times New Roman" panose="02020603050405020304" pitchFamily="18" charset="0"/>
-            </a:endParaRPr>
-          </a:p>
-          <a:p>
-            <a:pPr marL="457200" indent="-457200">
-              <a:buFont typeface="Arial" panose="020B0604020202020204" pitchFamily="34" charset="0"/>
-              <a:buChar char="•"/>
-            </a:pPr>
-            <a:r>
-              <a:rPr lang="fr-BE" sz="4000" dirty="0" smtClean="0">
-                <a:solidFill>
-                  <a:schemeClr val="tx1"/>
-                </a:solidFill>
-                <a:latin typeface="Times New Roman" panose="02020603050405020304" pitchFamily="18" charset="0"/>
-                <a:cs typeface="Times New Roman" panose="02020603050405020304" pitchFamily="18" charset="0"/>
-              </a:rPr>
-              <a:t>Prototype</a:t>
-            </a:r>
-            <a:endParaRPr lang="fr-BE" sz="4000" dirty="0">
               <a:solidFill>
                 <a:schemeClr val="tx1"/>
               </a:solidFill>
@@ -4941,16 +4892,506 @@
           </a:p>
         </p:txBody>
       </p:sp>
+      <p:sp>
+        <p:nvSpPr>
+          <p:cNvPr id="6" name="Rectangle à coins arrondis 5"/>
+          <p:cNvSpPr/>
+          <p:nvPr/>
+        </p:nvSpPr>
+        <p:spPr>
+          <a:xfrm>
+            <a:off x="2546112" y="1700808"/>
+            <a:ext cx="4032448" cy="1224136"/>
+          </a:xfrm>
+          <a:prstGeom prst="roundRect">
+            <a:avLst/>
+          </a:prstGeom>
+        </p:spPr>
+        <p:style>
+          <a:lnRef idx="1">
+            <a:schemeClr val="accent3"/>
+          </a:lnRef>
+          <a:fillRef idx="3">
+            <a:schemeClr val="accent3"/>
+          </a:fillRef>
+          <a:effectRef idx="2">
+            <a:schemeClr val="accent3"/>
+          </a:effectRef>
+          <a:fontRef idx="minor">
+            <a:schemeClr val="lt1"/>
+          </a:fontRef>
+        </p:style>
+        <p:txBody>
+          <a:bodyPr rtlCol="0" anchor="ctr"/>
+          <a:lstStyle/>
+          <a:p>
+            <a:pPr algn="ctr"/>
+            <a:r>
+              <a:rPr lang="fr-BE" sz="6000" dirty="0" smtClean="0"/>
+              <a:t>DSL</a:t>
+            </a:r>
+            <a:endParaRPr lang="fr-BE" sz="6000" dirty="0"/>
+          </a:p>
+        </p:txBody>
+      </p:sp>
+      <p:sp>
+        <p:nvSpPr>
+          <p:cNvPr id="7" name="Rectangle à coins arrondis 6"/>
+          <p:cNvSpPr/>
+          <p:nvPr/>
+        </p:nvSpPr>
+        <p:spPr>
+          <a:xfrm>
+            <a:off x="5029016" y="4157528"/>
+            <a:ext cx="4032448" cy="1224136"/>
+          </a:xfrm>
+          <a:prstGeom prst="roundRect">
+            <a:avLst/>
+          </a:prstGeom>
+        </p:spPr>
+        <p:style>
+          <a:lnRef idx="1">
+            <a:schemeClr val="accent3"/>
+          </a:lnRef>
+          <a:fillRef idx="3">
+            <a:schemeClr val="accent3"/>
+          </a:fillRef>
+          <a:effectRef idx="2">
+            <a:schemeClr val="accent3"/>
+          </a:effectRef>
+          <a:fontRef idx="minor">
+            <a:schemeClr val="lt1"/>
+          </a:fontRef>
+        </p:style>
+        <p:txBody>
+          <a:bodyPr rtlCol="0" anchor="ctr"/>
+          <a:lstStyle/>
+          <a:p>
+            <a:pPr algn="ctr"/>
+            <a:r>
+              <a:rPr lang="fr-BE" sz="6000" dirty="0" smtClean="0"/>
+              <a:t>Prototype</a:t>
+            </a:r>
+            <a:endParaRPr lang="fr-BE" sz="6000" dirty="0"/>
+          </a:p>
+        </p:txBody>
+      </p:sp>
+      <p:sp>
+        <p:nvSpPr>
+          <p:cNvPr id="8" name="Rectangle à coins arrondis 7"/>
+          <p:cNvSpPr/>
+          <p:nvPr/>
+        </p:nvSpPr>
+        <p:spPr>
+          <a:xfrm>
+            <a:off x="432832" y="4157528"/>
+            <a:ext cx="4032448" cy="1224136"/>
+          </a:xfrm>
+          <a:prstGeom prst="roundRect">
+            <a:avLst/>
+          </a:prstGeom>
+        </p:spPr>
+        <p:style>
+          <a:lnRef idx="1">
+            <a:schemeClr val="accent3"/>
+          </a:lnRef>
+          <a:fillRef idx="3">
+            <a:schemeClr val="accent3"/>
+          </a:fillRef>
+          <a:effectRef idx="2">
+            <a:schemeClr val="accent3"/>
+          </a:effectRef>
+          <a:fontRef idx="minor">
+            <a:schemeClr val="lt1"/>
+          </a:fontRef>
+        </p:style>
+        <p:txBody>
+          <a:bodyPr rtlCol="0" anchor="ctr"/>
+          <a:lstStyle/>
+          <a:p>
+            <a:pPr algn="ctr"/>
+            <a:r>
+              <a:rPr lang="fr-BE" sz="6000" dirty="0" smtClean="0"/>
+              <a:t>SCENARIO</a:t>
+            </a:r>
+            <a:endParaRPr lang="fr-BE" sz="6000" dirty="0"/>
+          </a:p>
+        </p:txBody>
+      </p:sp>
+      <p:sp>
+        <p:nvSpPr>
+          <p:cNvPr id="5" name="Flèche droite 4"/>
+          <p:cNvSpPr/>
+          <p:nvPr/>
+        </p:nvSpPr>
+        <p:spPr>
+          <a:xfrm rot="8283570">
+            <a:off x="2588536" y="3228692"/>
+            <a:ext cx="1485278" cy="696208"/>
+          </a:xfrm>
+          <a:prstGeom prst="rightArrow">
+            <a:avLst/>
+          </a:prstGeom>
+        </p:spPr>
+        <p:style>
+          <a:lnRef idx="1">
+            <a:schemeClr val="accent1"/>
+          </a:lnRef>
+          <a:fillRef idx="3">
+            <a:schemeClr val="accent1"/>
+          </a:fillRef>
+          <a:effectRef idx="2">
+            <a:schemeClr val="accent1"/>
+          </a:effectRef>
+          <a:fontRef idx="minor">
+            <a:schemeClr val="lt1"/>
+          </a:fontRef>
+        </p:style>
+        <p:txBody>
+          <a:bodyPr rtlCol="0" anchor="ctr"/>
+          <a:lstStyle/>
+          <a:p>
+            <a:pPr algn="ctr"/>
+            <a:endParaRPr lang="fr-BE"/>
+          </a:p>
+        </p:txBody>
+      </p:sp>
+      <p:sp>
+        <p:nvSpPr>
+          <p:cNvPr id="9" name="Flèche droite 8"/>
+          <p:cNvSpPr/>
+          <p:nvPr/>
+        </p:nvSpPr>
+        <p:spPr>
+          <a:xfrm rot="2187316">
+            <a:off x="5199656" y="3259172"/>
+            <a:ext cx="1485278" cy="696208"/>
+          </a:xfrm>
+          <a:prstGeom prst="rightArrow">
+            <a:avLst/>
+          </a:prstGeom>
+        </p:spPr>
+        <p:style>
+          <a:lnRef idx="1">
+            <a:schemeClr val="accent1"/>
+          </a:lnRef>
+          <a:fillRef idx="3">
+            <a:schemeClr val="accent1"/>
+          </a:fillRef>
+          <a:effectRef idx="2">
+            <a:schemeClr val="accent1"/>
+          </a:effectRef>
+          <a:fontRef idx="minor">
+            <a:schemeClr val="lt1"/>
+          </a:fontRef>
+        </p:style>
+        <p:txBody>
+          <a:bodyPr rtlCol="0" anchor="ctr"/>
+          <a:lstStyle/>
+          <a:p>
+            <a:pPr algn="ctr"/>
+            <a:endParaRPr lang="fr-BE"/>
+          </a:p>
+        </p:txBody>
+      </p:sp>
     </p:spTree>
     <p:extLst>
       <p:ext uri="{BB962C8B-B14F-4D97-AF65-F5344CB8AC3E}">
-        <p14:creationId xmlns:p14="http://schemas.microsoft.com/office/powerpoint/2010/main" val="1686753850"/>
+        <p14:creationId xmlns:p14="http://schemas.microsoft.com/office/powerpoint/2010/main" val="3423140038"/>
       </p:ext>
     </p:extLst>
   </p:cSld>
   <p:clrMapOvr>
     <a:masterClrMapping/>
   </p:clrMapOvr>
+  <p:timing>
+    <p:tnLst>
+      <p:par>
+        <p:cTn id="1" dur="indefinite" restart="never" nodeType="tmRoot">
+          <p:childTnLst>
+            <p:seq concurrent="1" nextAc="seek">
+              <p:cTn id="2" dur="indefinite" nodeType="mainSeq">
+                <p:childTnLst>
+                  <p:par>
+                    <p:cTn id="3" fill="hold">
+                      <p:stCondLst>
+                        <p:cond delay="indefinite"/>
+                      </p:stCondLst>
+                      <p:childTnLst>
+                        <p:par>
+                          <p:cTn id="4" fill="hold">
+                            <p:stCondLst>
+                              <p:cond delay="0"/>
+                            </p:stCondLst>
+                            <p:childTnLst>
+                              <p:par>
+                                <p:cTn id="5" presetID="1" presetClass="entr" presetSubtype="0" fill="hold" grpId="0" nodeType="clickEffect">
+                                  <p:stCondLst>
+                                    <p:cond delay="0"/>
+                                  </p:stCondLst>
+                                  <p:childTnLst>
+                                    <p:set>
+                                      <p:cBhvr>
+                                        <p:cTn id="6" dur="1" fill="hold">
+                                          <p:stCondLst>
+                                            <p:cond delay="0"/>
+                                          </p:stCondLst>
+                                        </p:cTn>
+                                        <p:tgtEl>
+                                          <p:spTgt spid="5"/>
+                                        </p:tgtEl>
+                                        <p:attrNameLst>
+                                          <p:attrName>style.visibility</p:attrName>
+                                        </p:attrNameLst>
+                                      </p:cBhvr>
+                                      <p:to>
+                                        <p:strVal val="visible"/>
+                                      </p:to>
+                                    </p:set>
+                                  </p:childTnLst>
+                                </p:cTn>
+                              </p:par>
+                              <p:par>
+                                <p:cTn id="7" presetID="1" presetClass="entr" presetSubtype="0" fill="hold" grpId="0" nodeType="withEffect">
+                                  <p:stCondLst>
+                                    <p:cond delay="0"/>
+                                  </p:stCondLst>
+                                  <p:childTnLst>
+                                    <p:set>
+                                      <p:cBhvr>
+                                        <p:cTn id="8" dur="1" fill="hold">
+                                          <p:stCondLst>
+                                            <p:cond delay="0"/>
+                                          </p:stCondLst>
+                                        </p:cTn>
+                                        <p:tgtEl>
+                                          <p:spTgt spid="8"/>
+                                        </p:tgtEl>
+                                        <p:attrNameLst>
+                                          <p:attrName>style.visibility</p:attrName>
+                                        </p:attrNameLst>
+                                      </p:cBhvr>
+                                      <p:to>
+                                        <p:strVal val="visible"/>
+                                      </p:to>
+                                    </p:set>
+                                  </p:childTnLst>
+                                </p:cTn>
+                              </p:par>
+                            </p:childTnLst>
+                          </p:cTn>
+                        </p:par>
+                      </p:childTnLst>
+                    </p:cTn>
+                  </p:par>
+                  <p:par>
+                    <p:cTn id="9" fill="hold">
+                      <p:stCondLst>
+                        <p:cond delay="indefinite"/>
+                      </p:stCondLst>
+                      <p:childTnLst>
+                        <p:par>
+                          <p:cTn id="10" fill="hold">
+                            <p:stCondLst>
+                              <p:cond delay="0"/>
+                            </p:stCondLst>
+                            <p:childTnLst>
+                              <p:par>
+                                <p:cTn id="11" presetID="1" presetClass="entr" presetSubtype="0" fill="hold" grpId="0" nodeType="clickEffect">
+                                  <p:stCondLst>
+                                    <p:cond delay="0"/>
+                                  </p:stCondLst>
+                                  <p:childTnLst>
+                                    <p:set>
+                                      <p:cBhvr>
+                                        <p:cTn id="12" dur="1" fill="hold">
+                                          <p:stCondLst>
+                                            <p:cond delay="0"/>
+                                          </p:stCondLst>
+                                        </p:cTn>
+                                        <p:tgtEl>
+                                          <p:spTgt spid="9"/>
+                                        </p:tgtEl>
+                                        <p:attrNameLst>
+                                          <p:attrName>style.visibility</p:attrName>
+                                        </p:attrNameLst>
+                                      </p:cBhvr>
+                                      <p:to>
+                                        <p:strVal val="visible"/>
+                                      </p:to>
+                                    </p:set>
+                                  </p:childTnLst>
+                                </p:cTn>
+                              </p:par>
+                              <p:par>
+                                <p:cTn id="13" presetID="1" presetClass="entr" presetSubtype="0" fill="hold" grpId="0" nodeType="withEffect">
+                                  <p:stCondLst>
+                                    <p:cond delay="0"/>
+                                  </p:stCondLst>
+                                  <p:childTnLst>
+                                    <p:set>
+                                      <p:cBhvr>
+                                        <p:cTn id="14" dur="1" fill="hold">
+                                          <p:stCondLst>
+                                            <p:cond delay="0"/>
+                                          </p:stCondLst>
+                                        </p:cTn>
+                                        <p:tgtEl>
+                                          <p:spTgt spid="7"/>
+                                        </p:tgtEl>
+                                        <p:attrNameLst>
+                                          <p:attrName>style.visibility</p:attrName>
+                                        </p:attrNameLst>
+                                      </p:cBhvr>
+                                      <p:to>
+                                        <p:strVal val="visible"/>
+                                      </p:to>
+                                    </p:set>
+                                  </p:childTnLst>
+                                </p:cTn>
+                              </p:par>
+                            </p:childTnLst>
+                          </p:cTn>
+                        </p:par>
+                      </p:childTnLst>
+                    </p:cTn>
+                  </p:par>
+                </p:childTnLst>
+              </p:cTn>
+              <p:prevCondLst>
+                <p:cond evt="onPrev" delay="0">
+                  <p:tgtEl>
+                    <p:sldTgt/>
+                  </p:tgtEl>
+                </p:cond>
+              </p:prevCondLst>
+              <p:nextCondLst>
+                <p:cond evt="onNext" delay="0">
+                  <p:tgtEl>
+                    <p:sldTgt/>
+                  </p:tgtEl>
+                </p:cond>
+              </p:nextCondLst>
+            </p:seq>
+          </p:childTnLst>
+        </p:cTn>
+      </p:par>
+    </p:tnLst>
+    <p:bldLst>
+      <p:bldP spid="7" grpId="0" animBg="1"/>
+      <p:bldP spid="8" grpId="0" animBg="1"/>
+      <p:bldP spid="5" grpId="0" animBg="1"/>
+      <p:bldP spid="9" grpId="0" animBg="1"/>
+    </p:bldLst>
+  </p:timing>
+</p:sld>
+</file>
+
+<file path=ppt/slides/slide13.xml><?xml version="1.0" encoding="utf-8"?>
+<p:sld xmlns:a="http://schemas.openxmlformats.org/drawingml/2006/main" xmlns:r="http://schemas.openxmlformats.org/officeDocument/2006/relationships" xmlns:p="http://schemas.openxmlformats.org/presentationml/2006/main">
+  <p:cSld>
+    <p:spTree>
+      <p:nvGrpSpPr>
+        <p:cNvPr id="1" name=""/>
+        <p:cNvGrpSpPr/>
+        <p:nvPr/>
+      </p:nvGrpSpPr>
+      <p:grpSpPr>
+        <a:xfrm>
+          <a:off x="0" y="0"/>
+          <a:ext cx="0" cy="0"/>
+          <a:chOff x="0" y="0"/>
+          <a:chExt cx="0" cy="0"/>
+        </a:xfrm>
+      </p:grpSpPr>
+      <p:sp>
+        <p:nvSpPr>
+          <p:cNvPr id="2" name="Titre 1"/>
+          <p:cNvSpPr>
+            <a:spLocks noGrp="1"/>
+          </p:cNvSpPr>
+          <p:nvPr>
+            <p:ph type="title"/>
+          </p:nvPr>
+        </p:nvSpPr>
+        <p:spPr/>
+        <p:txBody>
+          <a:bodyPr/>
+          <a:lstStyle/>
+          <a:p>
+            <a:r>
+              <a:rPr lang="fr-BE" dirty="0" smtClean="0"/>
+              <a:t>Question</a:t>
+            </a:r>
+            <a:endParaRPr lang="fr-BE" dirty="0"/>
+          </a:p>
+        </p:txBody>
+      </p:sp>
+      <p:sp>
+        <p:nvSpPr>
+          <p:cNvPr id="3" name="Espace réservé du contenu 2"/>
+          <p:cNvSpPr>
+            <a:spLocks noGrp="1"/>
+          </p:cNvSpPr>
+          <p:nvPr>
+            <p:ph idx="1"/>
+          </p:nvPr>
+        </p:nvSpPr>
+        <p:spPr/>
+        <p:txBody>
+          <a:bodyPr/>
+          <a:lstStyle/>
+          <a:p>
+            <a:endParaRPr lang="fr-BE"/>
+          </a:p>
+        </p:txBody>
+      </p:sp>
+      <p:sp>
+        <p:nvSpPr>
+          <p:cNvPr id="4" name="Espace réservé du numéro de diapositive 3"/>
+          <p:cNvSpPr>
+            <a:spLocks noGrp="1"/>
+          </p:cNvSpPr>
+          <p:nvPr>
+            <p:ph type="sldNum" sz="quarter" idx="10"/>
+          </p:nvPr>
+        </p:nvSpPr>
+        <p:spPr/>
+        <p:txBody>
+          <a:bodyPr/>
+          <a:lstStyle/>
+          <a:p>
+            <a:pPr>
+              <a:defRPr/>
+            </a:pPr>
+            <a:fld id="{326C6059-A255-C24B-AAEC-93A3405961B0}" type="slidenum">
+              <a:rPr lang="en-US" smtClean="0"/>
+              <a:pPr>
+                <a:defRPr/>
+              </a:pPr>
+              <a:t>13</a:t>
+            </a:fld>
+            <a:endParaRPr lang="en-US" dirty="0"/>
+          </a:p>
+        </p:txBody>
+      </p:sp>
+    </p:spTree>
+    <p:extLst>
+      <p:ext uri="{BB962C8B-B14F-4D97-AF65-F5344CB8AC3E}">
+        <p14:creationId xmlns:p14="http://schemas.microsoft.com/office/powerpoint/2010/main" val="2243286393"/>
+      </p:ext>
+    </p:extLst>
+  </p:cSld>
+  <p:clrMapOvr>
+    <a:masterClrMapping/>
+  </p:clrMapOvr>
+  <p:timing>
+    <p:tnLst>
+      <p:par>
+        <p:cTn id="1" dur="indefinite" restart="never" nodeType="tmRoot"/>
+      </p:par>
+    </p:tnLst>
+  </p:timing>
 </p:sld>
 </file>
 
@@ -5006,8 +5447,8 @@
         </p:nvSpPr>
         <p:spPr>
           <a:xfrm>
-            <a:off x="457200" y="1628800"/>
-            <a:ext cx="7355160" cy="4464496"/>
+            <a:off x="457200" y="2132856"/>
+            <a:ext cx="7355160" cy="3960440"/>
           </a:xfrm>
         </p:spPr>
         <p:txBody>
@@ -5022,12 +5463,28 @@
               <a:buAutoNum type="arabicPeriod"/>
             </a:pPr>
             <a:r>
+              <a:rPr lang="fr-FR" sz="4000" dirty="0" err="1">
+                <a:solidFill>
+                  <a:schemeClr val="tx1"/>
+                </a:solidFill>
+              </a:rPr>
+              <a:t>Level</a:t>
+            </a:r>
+            <a:r>
+              <a:rPr lang="fr-FR" sz="4000" dirty="0">
+                <a:solidFill>
+                  <a:schemeClr val="tx1"/>
+                </a:solidFill>
+              </a:rPr>
+              <a:t> of </a:t>
+            </a:r>
+            <a:r>
               <a:rPr lang="fr-FR" sz="4000" dirty="0" smtClean="0">
                 <a:solidFill>
                   <a:schemeClr val="tx1"/>
                 </a:solidFill>
               </a:rPr>
-              <a:t>IOT layer</a:t>
+              <a:t>abstraction</a:t>
             </a:r>
           </a:p>
           <a:p>
@@ -5038,14 +5495,11 @@
               <a:buFont typeface="+mj-lt"/>
               <a:buAutoNum type="arabicPeriod"/>
             </a:pPr>
-            <a:r>
-              <a:rPr lang="fr-FR" sz="4000" dirty="0" smtClean="0">
-                <a:solidFill>
-                  <a:schemeClr val="tx1"/>
-                </a:solidFill>
-              </a:rPr>
-              <a:t>Our position</a:t>
-            </a:r>
+            <a:endParaRPr lang="fr-FR" sz="4000" dirty="0">
+              <a:solidFill>
+                <a:schemeClr val="tx1"/>
+              </a:solidFill>
+            </a:endParaRPr>
           </a:p>
           <a:p>
             <a:pPr marL="914400" indent="-914400">
@@ -5056,12 +5510,52 @@
               <a:buAutoNum type="arabicPeriod"/>
             </a:pPr>
             <a:r>
+              <a:rPr lang="fr-FR" sz="4000" dirty="0" err="1">
+                <a:solidFill>
+                  <a:schemeClr val="tx1"/>
+                </a:solidFill>
+              </a:rPr>
+              <a:t>What</a:t>
+            </a:r>
+            <a:r>
+              <a:rPr lang="fr-FR" sz="4000" dirty="0">
+                <a:solidFill>
+                  <a:schemeClr val="tx1"/>
+                </a:solidFill>
+              </a:rPr>
+              <a:t> </a:t>
+            </a:r>
+            <a:r>
+              <a:rPr lang="fr-FR" sz="4000" dirty="0" err="1">
+                <a:solidFill>
+                  <a:schemeClr val="tx1"/>
+                </a:solidFill>
+              </a:rPr>
+              <a:t>is</a:t>
+            </a:r>
+            <a:r>
+              <a:rPr lang="fr-FR" sz="4000" dirty="0">
+                <a:solidFill>
+                  <a:schemeClr val="tx1"/>
+                </a:solidFill>
+              </a:rPr>
+              <a:t> the </a:t>
+            </a:r>
+            <a:r>
+              <a:rPr lang="fr-FR" sz="4000" dirty="0" err="1" smtClean="0">
+                <a:solidFill>
+                  <a:schemeClr val="tx1"/>
+                </a:solidFill>
+              </a:rPr>
+              <a:t>problem</a:t>
+            </a:r>
+            <a:r>
               <a:rPr lang="fr-FR" sz="4000" dirty="0" smtClean="0">
                 <a:solidFill>
                   <a:schemeClr val="tx1"/>
                 </a:solidFill>
               </a:rPr>
-              <a:t>Use case</a:t>
+              <a:t> ?</a:t>
             </a:r>
           </a:p>
           <a:p>
@@ -5072,23 +5566,7 @@
               <a:buFont typeface="+mj-lt"/>
               <a:buAutoNum type="arabicPeriod"/>
             </a:pPr>
-            <a:r>
-              <a:rPr lang="fr-FR" sz="4000" dirty="0" smtClean="0">
-                <a:solidFill>
-                  <a:schemeClr val="tx1"/>
-                </a:solidFill>
-              </a:rPr>
-              <a:t>Activity </a:t>
-            </a:r>
-            <a:r>
-              <a:rPr lang="fr-FR" sz="4000" dirty="0" err="1" smtClean="0">
-                <a:solidFill>
-                  <a:schemeClr val="tx1"/>
-                </a:solidFill>
-              </a:rPr>
-              <a:t>diagrams</a:t>
-            </a:r>
-            <a:endParaRPr lang="fr-FR" sz="4000" dirty="0" smtClean="0">
+            <a:endParaRPr lang="fr-FR" sz="4000" dirty="0">
               <a:solidFill>
                 <a:schemeClr val="tx1"/>
               </a:solidFill>
@@ -5103,44 +5581,13 @@
               <a:buAutoNum type="arabicPeriod"/>
             </a:pPr>
             <a:r>
-              <a:rPr lang="fr-FR" sz="4000" dirty="0" err="1" smtClean="0">
+              <a:rPr lang="fr-FR" sz="4000" dirty="0">
                 <a:solidFill>
                   <a:schemeClr val="tx1"/>
                 </a:solidFill>
               </a:rPr>
-              <a:t>Métamodel</a:t>
-            </a:r>
-            <a:endParaRPr lang="fr-FR" sz="4000" dirty="0" smtClean="0">
-              <a:solidFill>
-                <a:schemeClr val="tx1"/>
-              </a:solidFill>
-            </a:endParaRPr>
-          </a:p>
-          <a:p>
-            <a:pPr marL="914400" indent="-914400">
-              <a:buClr>
-                <a:srgbClr val="36A63A"/>
-              </a:buClr>
-              <a:buFont typeface="+mj-lt"/>
-              <a:buAutoNum type="arabicPeriod"/>
-            </a:pPr>
-            <a:r>
-              <a:rPr lang="fr-FR" sz="4000" dirty="0" smtClean="0">
-                <a:solidFill>
-                  <a:schemeClr val="tx1"/>
-                </a:solidFill>
-              </a:rPr>
-              <a:t>Conclusion</a:t>
-            </a:r>
-          </a:p>
-          <a:p>
-            <a:pPr marL="914400" indent="-914400">
-              <a:buClr>
-                <a:srgbClr val="36A63A"/>
-              </a:buClr>
-              <a:buFont typeface="+mj-lt"/>
-              <a:buAutoNum type="arabicPeriod"/>
-            </a:pPr>
+              <a:t>Solution: DSL</a:t>
+            </a:r>
             <a:endParaRPr lang="fr-FR" sz="4000" dirty="0" smtClean="0">
               <a:solidFill>
                 <a:schemeClr val="tx1"/>
@@ -5201,9 +5648,140 @@
           <a:bodyPr/>
           <a:lstStyle/>
           <a:p>
+            <a:pPr>
+              <a:buClr>
+                <a:srgbClr val="36A63A"/>
+              </a:buClr>
+            </a:pPr>
+            <a:r>
+              <a:rPr lang="en-GB" dirty="0" smtClean="0"/>
+              <a:t>Level of abstraction</a:t>
+            </a:r>
+            <a:endParaRPr lang="fr-FR" dirty="0">
+              <a:solidFill>
+                <a:schemeClr val="tx1"/>
+              </a:solidFill>
+            </a:endParaRPr>
+          </a:p>
+        </p:txBody>
+      </p:sp>
+      <p:pic>
+        <p:nvPicPr>
+          <p:cNvPr id="5" name="Espace réservé du contenu 4"/>
+          <p:cNvPicPr>
+            <a:picLocks noGrp="1" noChangeAspect="1"/>
+          </p:cNvPicPr>
+          <p:nvPr>
+            <p:ph idx="1"/>
+          </p:nvPr>
+        </p:nvPicPr>
+        <p:blipFill>
+          <a:blip r:embed="rId2">
+            <a:extLst>
+              <a:ext uri="{28A0092B-C50C-407E-A947-70E740481C1C}">
+                <a14:useLocalDpi xmlns:a14="http://schemas.microsoft.com/office/drawing/2010/main" val="0"/>
+              </a:ext>
+            </a:extLst>
+          </a:blip>
+          <a:stretch>
+            <a:fillRect/>
+          </a:stretch>
+        </p:blipFill>
+        <p:spPr>
+          <a:xfrm>
+            <a:off x="539552" y="1300163"/>
+            <a:ext cx="8147248" cy="5057775"/>
+          </a:xfrm>
+        </p:spPr>
+      </p:pic>
+      <p:sp>
+        <p:nvSpPr>
+          <p:cNvPr id="4" name="Espace réservé du numéro de diapositive 3"/>
+          <p:cNvSpPr>
+            <a:spLocks noGrp="1"/>
+          </p:cNvSpPr>
+          <p:nvPr>
+            <p:ph type="sldNum" sz="quarter" idx="10"/>
+          </p:nvPr>
+        </p:nvSpPr>
+        <p:spPr/>
+        <p:txBody>
+          <a:bodyPr/>
+          <a:lstStyle/>
+          <a:p>
+            <a:pPr>
+              <a:defRPr/>
+            </a:pPr>
+            <a:fld id="{326C6059-A255-C24B-AAEC-93A3405961B0}" type="slidenum">
+              <a:rPr lang="en-US" smtClean="0"/>
+              <a:pPr>
+                <a:defRPr/>
+              </a:pPr>
+              <a:t>3</a:t>
+            </a:fld>
+            <a:endParaRPr lang="en-US" dirty="0"/>
+          </a:p>
+        </p:txBody>
+      </p:sp>
+    </p:spTree>
+    <p:extLst>
+      <p:ext uri="{BB962C8B-B14F-4D97-AF65-F5344CB8AC3E}">
+        <p14:creationId xmlns:p14="http://schemas.microsoft.com/office/powerpoint/2010/main" val="2191787493"/>
+      </p:ext>
+    </p:extLst>
+  </p:cSld>
+  <p:clrMapOvr>
+    <a:masterClrMapping/>
+  </p:clrMapOvr>
+  <p:timing>
+    <p:tnLst>
+      <p:par>
+        <p:cTn id="1" dur="indefinite" restart="never" nodeType="tmRoot"/>
+      </p:par>
+    </p:tnLst>
+  </p:timing>
+</p:sld>
+</file>
+
+<file path=ppt/slides/slide4.xml><?xml version="1.0" encoding="utf-8"?>
+<p:sld xmlns:a="http://schemas.openxmlformats.org/drawingml/2006/main" xmlns:r="http://schemas.openxmlformats.org/officeDocument/2006/relationships" xmlns:p="http://schemas.openxmlformats.org/presentationml/2006/main">
+  <p:cSld>
+    <p:spTree>
+      <p:nvGrpSpPr>
+        <p:cNvPr id="1" name=""/>
+        <p:cNvGrpSpPr/>
+        <p:nvPr/>
+      </p:nvGrpSpPr>
+      <p:grpSpPr>
+        <a:xfrm>
+          <a:off x="0" y="0"/>
+          <a:ext cx="0" cy="0"/>
+          <a:chOff x="0" y="0"/>
+          <a:chExt cx="0" cy="0"/>
+        </a:xfrm>
+      </p:grpSpPr>
+      <p:sp>
+        <p:nvSpPr>
+          <p:cNvPr id="2" name="Titre 1"/>
+          <p:cNvSpPr>
+            <a:spLocks noGrp="1"/>
+          </p:cNvSpPr>
+          <p:nvPr>
+            <p:ph type="title"/>
+          </p:nvPr>
+        </p:nvSpPr>
+        <p:spPr/>
+        <p:txBody>
+          <a:bodyPr/>
+          <a:lstStyle/>
+          <a:p>
             <a:r>
               <a:rPr lang="fr-BE" dirty="0" smtClean="0"/>
-              <a:t>1.   IOT Layer</a:t>
+              <a:t>  </a:t>
+            </a:r>
+            <a:r>
+              <a:rPr lang="en-GB" dirty="0"/>
+              <a:t>Level of abstraction</a:t>
             </a:r>
             <a:endParaRPr lang="fr-BE" dirty="0"/>
           </a:p>
@@ -5232,7 +5810,7 @@
               <a:pPr>
                 <a:defRPr/>
               </a:pPr>
-              <a:t>3</a:t>
+              <a:t>4</a:t>
             </a:fld>
             <a:endParaRPr lang="en-US" dirty="0"/>
           </a:p>
@@ -5287,18 +5865,21 @@
       </p:sp>
       <p:sp>
         <p:nvSpPr>
-          <p:cNvPr id="6" name="Rectangle à coins arrondis 5"/>
+          <p:cNvPr id="7" name="Rectangle à coins arrondis 6"/>
           <p:cNvSpPr/>
           <p:nvPr/>
         </p:nvSpPr>
         <p:spPr>
           <a:xfrm>
-            <a:off x="518303" y="5491820"/>
-            <a:ext cx="2580856" cy="508760"/>
+            <a:off x="518303" y="4380182"/>
+            <a:ext cx="2580856" cy="511113"/>
           </a:xfrm>
           <a:prstGeom prst="roundRect">
             <a:avLst/>
           </a:prstGeom>
+          <a:solidFill>
+            <a:schemeClr val="accent4"/>
+          </a:solidFill>
         </p:spPr>
         <p:style>
           <a:lnRef idx="1">
@@ -5321,48 +5902,6 @@
             <a:pPr algn="ctr"/>
             <a:r>
               <a:rPr lang="fr-BE" dirty="0" smtClean="0"/>
-              <a:t>Object Abstraction</a:t>
-            </a:r>
-            <a:endParaRPr lang="fr-BE" dirty="0"/>
-          </a:p>
-        </p:txBody>
-      </p:sp>
-      <p:sp>
-        <p:nvSpPr>
-          <p:cNvPr id="7" name="Rectangle à coins arrondis 6"/>
-          <p:cNvSpPr/>
-          <p:nvPr/>
-        </p:nvSpPr>
-        <p:spPr>
-          <a:xfrm>
-            <a:off x="518303" y="4380182"/>
-            <a:ext cx="2580856" cy="511113"/>
-          </a:xfrm>
-          <a:prstGeom prst="roundRect">
-            <a:avLst/>
-          </a:prstGeom>
-        </p:spPr>
-        <p:style>
-          <a:lnRef idx="1">
-            <a:schemeClr val="accent1"/>
-          </a:lnRef>
-          <a:fillRef idx="3">
-            <a:schemeClr val="accent1"/>
-          </a:fillRef>
-          <a:effectRef idx="2">
-            <a:schemeClr val="accent1"/>
-          </a:effectRef>
-          <a:fontRef idx="minor">
-            <a:schemeClr val="lt1"/>
-          </a:fontRef>
-        </p:style>
-        <p:txBody>
-          <a:bodyPr rtlCol="0" anchor="ctr"/>
-          <a:lstStyle/>
-          <a:p>
-            <a:pPr algn="ctr"/>
-            <a:r>
-              <a:rPr lang="fr-BE" dirty="0" smtClean="0"/>
               <a:t>Service Management</a:t>
             </a:r>
             <a:endParaRPr lang="fr-BE" dirty="0"/>
@@ -5377,7 +5916,7 @@
         </p:nvSpPr>
         <p:spPr>
           <a:xfrm>
-            <a:off x="485623" y="2969291"/>
+            <a:off x="526263" y="2694971"/>
             <a:ext cx="2613536" cy="693560"/>
           </a:xfrm>
           <a:prstGeom prst="roundRect">
@@ -5458,7 +5997,7 @@
       </p:sp>
       <p:pic>
         <p:nvPicPr>
-          <p:cNvPr id="12" name="Image 11"/>
+          <p:cNvPr id="15" name="Image 14"/>
           <p:cNvPicPr>
             <a:picLocks noChangeAspect="1"/>
           </p:cNvPicPr>
@@ -5478,37 +6017,7 @@
         </p:blipFill>
         <p:spPr>
           <a:xfrm>
-            <a:off x="4067944" y="5445312"/>
-            <a:ext cx="4819268" cy="1110536"/>
-          </a:xfrm>
-          <a:prstGeom prst="rect">
-            <a:avLst/>
-          </a:prstGeom>
-        </p:spPr>
-      </p:pic>
-      <p:pic>
-        <p:nvPicPr>
-          <p:cNvPr id="15" name="Image 14"/>
-          <p:cNvPicPr>
-            <a:picLocks noChangeAspect="1"/>
-          </p:cNvPicPr>
-          <p:nvPr/>
-        </p:nvPicPr>
-        <p:blipFill>
-          <a:blip r:embed="rId3">
-            <a:extLst>
-              <a:ext uri="{28A0092B-C50C-407E-A947-70E740481C1C}">
-                <a14:useLocalDpi xmlns:a14="http://schemas.microsoft.com/office/drawing/2010/main" val="0"/>
-              </a:ext>
-            </a:extLst>
-          </a:blip>
-          <a:stretch>
-            <a:fillRect/>
-          </a:stretch>
-        </p:blipFill>
-        <p:spPr>
-          <a:xfrm>
-            <a:off x="4572000" y="4494710"/>
+            <a:off x="4053840" y="5795190"/>
             <a:ext cx="2892894" cy="704933"/>
           </a:xfrm>
           <a:prstGeom prst="rect">
@@ -5516,94 +6025,6 @@
           </a:prstGeom>
         </p:spPr>
       </p:pic>
-      <p:sp>
-        <p:nvSpPr>
-          <p:cNvPr id="16" name="Ellipse 15"/>
-          <p:cNvSpPr/>
-          <p:nvPr/>
-        </p:nvSpPr>
-        <p:spPr>
-          <a:xfrm>
-            <a:off x="6695728" y="3436221"/>
-            <a:ext cx="2448272" cy="692316"/>
-          </a:xfrm>
-          <a:prstGeom prst="ellipse">
-            <a:avLst/>
-          </a:prstGeom>
-        </p:spPr>
-        <p:style>
-          <a:lnRef idx="1">
-            <a:schemeClr val="accent1"/>
-          </a:lnRef>
-          <a:fillRef idx="3">
-            <a:schemeClr val="accent1"/>
-          </a:fillRef>
-          <a:effectRef idx="2">
-            <a:schemeClr val="accent1"/>
-          </a:effectRef>
-          <a:fontRef idx="minor">
-            <a:schemeClr val="lt1"/>
-          </a:fontRef>
-        </p:style>
-        <p:txBody>
-          <a:bodyPr rtlCol="0" anchor="ctr"/>
-          <a:lstStyle/>
-          <a:p>
-            <a:pPr algn="ctr"/>
-            <a:r>
-              <a:rPr lang="fr-BE" dirty="0" smtClean="0"/>
-              <a:t>Middleware</a:t>
-            </a:r>
-            <a:endParaRPr lang="fr-BE" dirty="0"/>
-          </a:p>
-        </p:txBody>
-      </p:sp>
-      <p:sp>
-        <p:nvSpPr>
-          <p:cNvPr id="18" name="Ellipse 17"/>
-          <p:cNvSpPr/>
-          <p:nvPr/>
-        </p:nvSpPr>
-        <p:spPr>
-          <a:xfrm>
-            <a:off x="6699870" y="2420106"/>
-            <a:ext cx="2448272" cy="692316"/>
-          </a:xfrm>
-          <a:prstGeom prst="ellipse">
-            <a:avLst/>
-          </a:prstGeom>
-        </p:spPr>
-        <p:style>
-          <a:lnRef idx="1">
-            <a:schemeClr val="accent1"/>
-          </a:lnRef>
-          <a:fillRef idx="3">
-            <a:schemeClr val="accent1"/>
-          </a:fillRef>
-          <a:effectRef idx="2">
-            <a:schemeClr val="accent1"/>
-          </a:effectRef>
-          <a:fontRef idx="minor">
-            <a:schemeClr val="lt1"/>
-          </a:fontRef>
-        </p:style>
-        <p:txBody>
-          <a:bodyPr rtlCol="0" anchor="ctr"/>
-          <a:lstStyle/>
-          <a:p>
-            <a:pPr algn="ctr"/>
-            <a:r>
-              <a:rPr lang="fr-BE" dirty="0" smtClean="0"/>
-              <a:t>Température, air </a:t>
-            </a:r>
-            <a:r>
-              <a:rPr lang="fr-BE" dirty="0" err="1" smtClean="0"/>
-              <a:t>humidity</a:t>
-            </a:r>
-            <a:endParaRPr lang="fr-BE" dirty="0"/>
-          </a:p>
-        </p:txBody>
-      </p:sp>
       <p:sp>
         <p:nvSpPr>
           <p:cNvPr id="13" name="ZoneTexte 12"/>
@@ -5642,8 +6063,8 @@
         </p:nvCxnSpPr>
         <p:spPr>
           <a:xfrm>
-            <a:off x="1619672" y="4941168"/>
-            <a:ext cx="0" cy="504132"/>
+            <a:off x="1782232" y="4941168"/>
+            <a:ext cx="0" cy="762739"/>
           </a:xfrm>
           <a:prstGeom prst="straightConnector1">
             <a:avLst/>
@@ -5676,7 +6097,7 @@
         </p:nvSpPr>
         <p:spPr>
           <a:xfrm>
-            <a:off x="1808731" y="3886401"/>
+            <a:off x="1844435" y="3515120"/>
             <a:ext cx="2448272" cy="400110"/>
           </a:xfrm>
           <a:prstGeom prst="rect">
@@ -5701,13 +6122,16 @@
       <p:cxnSp>
         <p:nvCxnSpPr>
           <p:cNvPr id="23" name="Connecteur droit avec flèche 22"/>
-          <p:cNvCxnSpPr/>
+          <p:cNvCxnSpPr>
+            <a:stCxn id="8" idx="2"/>
+            <a:endCxn id="7" idx="0"/>
+          </p:cNvCxnSpPr>
           <p:nvPr/>
         </p:nvCxnSpPr>
         <p:spPr>
-          <a:xfrm>
-            <a:off x="1619672" y="3782379"/>
-            <a:ext cx="0" cy="504132"/>
+          <a:xfrm flipH="1">
+            <a:off x="1808731" y="3388531"/>
+            <a:ext cx="24300" cy="991651"/>
           </a:xfrm>
           <a:prstGeom prst="straightConnector1">
             <a:avLst/>
@@ -5734,39 +6158,257 @@
       </p:cxnSp>
       <p:sp>
         <p:nvSpPr>
-          <p:cNvPr id="24" name="ZoneTexte 23"/>
-          <p:cNvSpPr txBox="1"/>
+          <p:cNvPr id="19" name="Rectangle à coins arrondis 18"/>
+          <p:cNvSpPr/>
           <p:nvPr/>
         </p:nvSpPr>
         <p:spPr>
           <a:xfrm>
-            <a:off x="4505708" y="3866561"/>
-            <a:ext cx="2448272" cy="400110"/>
+            <a:off x="499912" y="5703907"/>
+            <a:ext cx="2599247" cy="391132"/>
+          </a:xfrm>
+          <a:prstGeom prst="roundRect">
+            <a:avLst/>
+          </a:prstGeom>
+          <a:solidFill>
+            <a:schemeClr val="accent3">
+              <a:lumMod val="75000"/>
+            </a:schemeClr>
+          </a:solidFill>
+        </p:spPr>
+        <p:style>
+          <a:lnRef idx="1">
+            <a:schemeClr val="accent1"/>
+          </a:lnRef>
+          <a:fillRef idx="3">
+            <a:schemeClr val="accent1"/>
+          </a:fillRef>
+          <a:effectRef idx="2">
+            <a:schemeClr val="accent1"/>
+          </a:effectRef>
+          <a:fontRef idx="minor">
+            <a:schemeClr val="lt1"/>
+          </a:fontRef>
+        </p:style>
+        <p:txBody>
+          <a:bodyPr rtlCol="0" anchor="ctr"/>
+          <a:lstStyle/>
+          <a:p>
+            <a:pPr algn="ctr"/>
+            <a:r>
+              <a:rPr lang="fr-BE" dirty="0" smtClean="0"/>
+              <a:t>Object </a:t>
+            </a:r>
+            <a:r>
+              <a:rPr lang="fr-BE" dirty="0" err="1" smtClean="0"/>
+              <a:t>Absetraction</a:t>
+            </a:r>
+            <a:r>
+              <a:rPr lang="fr-BE" dirty="0" smtClean="0"/>
+              <a:t> </a:t>
+            </a:r>
+            <a:endParaRPr lang="fr-BE" dirty="0"/>
+          </a:p>
+        </p:txBody>
+      </p:sp>
+      <p:pic>
+        <p:nvPicPr>
+          <p:cNvPr id="14" name="Image 13"/>
+          <p:cNvPicPr>
+            <a:picLocks noChangeAspect="1"/>
+          </p:cNvPicPr>
+          <p:nvPr/>
+        </p:nvPicPr>
+        <p:blipFill>
+          <a:blip r:embed="rId3">
+            <a:extLst>
+              <a:ext uri="{28A0092B-C50C-407E-A947-70E740481C1C}">
+                <a14:useLocalDpi xmlns:a14="http://schemas.microsoft.com/office/drawing/2010/main" val="0"/>
+              </a:ext>
+            </a:extLst>
+          </a:blip>
+          <a:stretch>
+            <a:fillRect/>
+          </a:stretch>
+        </p:blipFill>
+        <p:spPr>
+          <a:xfrm>
+            <a:off x="7065744" y="5703907"/>
+            <a:ext cx="1943776" cy="759864"/>
           </a:xfrm>
           <a:prstGeom prst="rect">
             <a:avLst/>
           </a:prstGeom>
-          <a:noFill/>
         </p:spPr>
+      </p:pic>
+      <p:pic>
+        <p:nvPicPr>
+          <p:cNvPr id="27" name="Image 26"/>
+          <p:cNvPicPr>
+            <a:picLocks noChangeAspect="1"/>
+          </p:cNvPicPr>
+          <p:nvPr/>
+        </p:nvPicPr>
+        <p:blipFill>
+          <a:blip r:embed="rId4"/>
+          <a:stretch>
+            <a:fillRect/>
+          </a:stretch>
+        </p:blipFill>
+        <p:spPr>
+          <a:xfrm>
+            <a:off x="4381479" y="4509121"/>
+            <a:ext cx="4608215" cy="1143332"/>
+          </a:xfrm>
+          <a:prstGeom prst="rect">
+            <a:avLst/>
+          </a:prstGeom>
+        </p:spPr>
+      </p:pic>
+      <p:pic>
+        <p:nvPicPr>
+          <p:cNvPr id="29" name="Image 28"/>
+          <p:cNvPicPr>
+            <a:picLocks noChangeAspect="1"/>
+          </p:cNvPicPr>
+          <p:nvPr/>
+        </p:nvPicPr>
+        <p:blipFill>
+          <a:blip r:embed="rId5"/>
+          <a:stretch>
+            <a:fillRect/>
+          </a:stretch>
+        </p:blipFill>
+        <p:spPr>
+          <a:xfrm>
+            <a:off x="4315943" y="3053313"/>
+            <a:ext cx="4747481" cy="866919"/>
+          </a:xfrm>
+          <a:prstGeom prst="rect">
+            <a:avLst/>
+          </a:prstGeom>
+        </p:spPr>
+      </p:pic>
+      <p:cxnSp>
+        <p:nvCxnSpPr>
+          <p:cNvPr id="31" name="Connecteur droit avec flèche 30"/>
+          <p:cNvCxnSpPr>
+            <a:stCxn id="9" idx="2"/>
+            <a:endCxn id="8" idx="0"/>
+          </p:cNvCxnSpPr>
+          <p:nvPr/>
+        </p:nvCxnSpPr>
+        <p:spPr>
+          <a:xfrm>
+            <a:off x="1825071" y="2110606"/>
+            <a:ext cx="7960" cy="584365"/>
+          </a:xfrm>
+          <a:prstGeom prst="straightConnector1">
+            <a:avLst/>
+          </a:prstGeom>
+          <a:ln>
+            <a:headEnd type="triangle"/>
+            <a:tailEnd type="triangle"/>
+          </a:ln>
+        </p:spPr>
+        <p:style>
+          <a:lnRef idx="2">
+            <a:schemeClr val="accent1"/>
+          </a:lnRef>
+          <a:fillRef idx="0">
+            <a:schemeClr val="accent1"/>
+          </a:fillRef>
+          <a:effectRef idx="1">
+            <a:schemeClr val="accent1"/>
+          </a:effectRef>
+          <a:fontRef idx="minor">
+            <a:schemeClr val="tx1"/>
+          </a:fontRef>
+        </p:style>
+      </p:cxnSp>
+      <p:sp>
+        <p:nvSpPr>
+          <p:cNvPr id="36" name="Ellipse 35"/>
+          <p:cNvSpPr/>
+          <p:nvPr/>
+        </p:nvSpPr>
+        <p:spPr>
+          <a:xfrm>
+            <a:off x="3707904" y="2110605"/>
+            <a:ext cx="2808312" cy="581895"/>
+          </a:xfrm>
+          <a:prstGeom prst="ellipse">
+            <a:avLst/>
+          </a:prstGeom>
+        </p:spPr>
+        <p:style>
+          <a:lnRef idx="1">
+            <a:schemeClr val="accent2"/>
+          </a:lnRef>
+          <a:fillRef idx="3">
+            <a:schemeClr val="accent2"/>
+          </a:fillRef>
+          <a:effectRef idx="2">
+            <a:schemeClr val="accent2"/>
+          </a:effectRef>
+          <a:fontRef idx="minor">
+            <a:schemeClr val="lt1"/>
+          </a:fontRef>
+        </p:style>
         <p:txBody>
-          <a:bodyPr wrap="square" rtlCol="0">
-            <a:spAutoFit/>
-          </a:bodyPr>
+          <a:bodyPr rtlCol="0" anchor="ctr"/>
           <a:lstStyle/>
           <a:p>
-            <a:r>
-              <a:rPr lang="fr-FR" dirty="0" smtClean="0"/>
-              <a:t>DDS, </a:t>
-            </a:r>
-            <a:r>
-              <a:rPr lang="fr-FR" dirty="0" err="1" smtClean="0"/>
-              <a:t>CoAP</a:t>
-            </a:r>
-            <a:r>
-              <a:rPr lang="fr-FR" dirty="0" smtClean="0"/>
-              <a:t>, MQTT</a:t>
-            </a:r>
-            <a:endParaRPr lang="fr-FR" dirty="0"/>
+            <a:pPr algn="ctr"/>
+            <a:r>
+              <a:rPr lang="fr-BE" dirty="0" smtClean="0"/>
+              <a:t>GERAS</a:t>
+            </a:r>
+            <a:endParaRPr lang="fr-BE" dirty="0"/>
+          </a:p>
+        </p:txBody>
+      </p:sp>
+      <p:sp>
+        <p:nvSpPr>
+          <p:cNvPr id="37" name="Flèche droite 36"/>
+          <p:cNvSpPr/>
+          <p:nvPr/>
+        </p:nvSpPr>
+        <p:spPr>
+          <a:xfrm rot="10800000">
+            <a:off x="2411760" y="2230019"/>
+            <a:ext cx="1080120" cy="334885"/>
+          </a:xfrm>
+          <a:prstGeom prst="rightArrow">
+            <a:avLst/>
+          </a:prstGeom>
+          <a:solidFill>
+            <a:schemeClr val="accent2">
+              <a:lumMod val="60000"/>
+              <a:lumOff val="40000"/>
+            </a:schemeClr>
+          </a:solidFill>
+        </p:spPr>
+        <p:style>
+          <a:lnRef idx="1">
+            <a:schemeClr val="accent1"/>
+          </a:lnRef>
+          <a:fillRef idx="3">
+            <a:schemeClr val="accent1"/>
+          </a:fillRef>
+          <a:effectRef idx="2">
+            <a:schemeClr val="accent1"/>
+          </a:effectRef>
+          <a:fontRef idx="minor">
+            <a:schemeClr val="lt1"/>
+          </a:fontRef>
+        </p:style>
+        <p:txBody>
+          <a:bodyPr rtlCol="0" anchor="ctr"/>
+          <a:lstStyle/>
+          <a:p>
+            <a:pPr algn="ctr"/>
+            <a:endParaRPr lang="fr-BE"/>
           </a:p>
         </p:txBody>
       </p:sp>
@@ -5814,7 +6456,7 @@
                                           </p:stCondLst>
                                         </p:cTn>
                                         <p:tgtEl>
-                                          <p:spTgt spid="6"/>
+                                          <p:spTgt spid="3"/>
                                         </p:tgtEl>
                                         <p:attrNameLst>
                                           <p:attrName>style.visibility</p:attrName>
@@ -5841,7 +6483,7 @@
                                           </p:stCondLst>
                                         </p:cTn>
                                         <p:tgtEl>
-                                          <p:spTgt spid="15"/>
+                                          <p:spTgt spid="14"/>
                                         </p:tgtEl>
                                         <p:attrNameLst>
                                           <p:attrName>style.visibility</p:attrName>
@@ -5886,7 +6528,7 @@
                                           </p:stCondLst>
                                         </p:cTn>
                                         <p:tgtEl>
-                                          <p:spTgt spid="7"/>
+                                          <p:spTgt spid="19"/>
                                         </p:tgtEl>
                                         <p:attrNameLst>
                                           <p:attrName>style.visibility</p:attrName>
@@ -5900,7 +6542,7 @@
                                 </p:cTn>
                               </p:par>
                               <p:par>
-                                <p:cTn id="13" presetID="1" presetClass="entr" presetSubtype="0" fill="hold" grpId="0" nodeType="withEffect">
+                                <p:cTn id="13" presetID="1" presetClass="entr" presetSubtype="0" fill="hold" nodeType="withEffect">
                                   <p:stCondLst>
                                     <p:cond delay="0"/>
                                   </p:stCondLst>
@@ -5913,7 +6555,7 @@
                                           </p:stCondLst>
                                         </p:cTn>
                                         <p:tgtEl>
-                                          <p:spTgt spid="16"/>
+                                          <p:spTgt spid="15"/>
                                         </p:tgtEl>
                                         <p:attrNameLst>
                                           <p:attrName>style.visibility</p:attrName>
@@ -5945,7 +6587,7 @@
                             </p:stCondLst>
                             <p:childTnLst>
                               <p:par>
-                                <p:cTn id="17" presetID="1" presetClass="entr" presetSubtype="0" fill="hold" grpId="0" nodeType="clickEffect">
+                                <p:cTn id="17" presetID="1" presetClass="entr" presetSubtype="0" fill="hold" nodeType="clickEffect">
                                   <p:stCondLst>
                                     <p:cond delay="0"/>
                                   </p:stCondLst>
@@ -5958,7 +6600,7 @@
                                           </p:stCondLst>
                                         </p:cTn>
                                         <p:tgtEl>
-                                          <p:spTgt spid="8"/>
+                                          <p:spTgt spid="21"/>
                                         </p:tgtEl>
                                         <p:attrNameLst>
                                           <p:attrName>style.visibility</p:attrName>
@@ -5985,7 +6627,34 @@
                                           </p:stCondLst>
                                         </p:cTn>
                                         <p:tgtEl>
-                                          <p:spTgt spid="18"/>
+                                          <p:spTgt spid="13"/>
+                                        </p:tgtEl>
+                                        <p:attrNameLst>
+                                          <p:attrName>style.visibility</p:attrName>
+                                        </p:attrNameLst>
+                                      </p:cBhvr>
+                                      <p:to>
+                                        <p:strVal val="visible"/>
+                                      </p:to>
+                                    </p:set>
+                                  </p:childTnLst>
+                                </p:cTn>
+                              </p:par>
+                              <p:par>
+                                <p:cTn id="21" presetID="1" presetClass="entr" presetSubtype="0" fill="hold" grpId="0" nodeType="withEffect">
+                                  <p:stCondLst>
+                                    <p:cond delay="0"/>
+                                  </p:stCondLst>
+                                  <p:childTnLst>
+                                    <p:set>
+                                      <p:cBhvr>
+                                        <p:cTn id="22" dur="1" fill="hold">
+                                          <p:stCondLst>
+                                            <p:cond delay="0"/>
+                                          </p:stCondLst>
+                                        </p:cTn>
+                                        <p:tgtEl>
+                                          <p:spTgt spid="7"/>
                                         </p:tgtEl>
                                         <p:attrNameLst>
                                           <p:attrName>style.visibility</p:attrName>
@@ -6005,32 +6674,320 @@
                     </p:cTn>
                   </p:par>
                   <p:par>
-                    <p:cTn id="21" fill="hold">
+                    <p:cTn id="23" fill="hold">
                       <p:stCondLst>
                         <p:cond delay="indefinite"/>
                       </p:stCondLst>
                       <p:childTnLst>
                         <p:par>
-                          <p:cTn id="22" fill="hold">
+                          <p:cTn id="24" fill="hold">
                             <p:stCondLst>
                               <p:cond delay="0"/>
                             </p:stCondLst>
                             <p:childTnLst>
                               <p:par>
-                                <p:cTn id="23" presetID="1" presetClass="entr" presetSubtype="0" fill="hold" grpId="0" nodeType="clickEffect">
+                                <p:cTn id="25" presetID="1" presetClass="entr" presetSubtype="0" fill="hold" nodeType="clickEffect">
                                   <p:stCondLst>
                                     <p:cond delay="0"/>
                                   </p:stCondLst>
                                   <p:childTnLst>
                                     <p:set>
                                       <p:cBhvr>
-                                        <p:cTn id="24" dur="1" fill="hold">
+                                        <p:cTn id="26" dur="1" fill="hold">
+                                          <p:stCondLst>
+                                            <p:cond delay="0"/>
+                                          </p:stCondLst>
+                                        </p:cTn>
+                                        <p:tgtEl>
+                                          <p:spTgt spid="27"/>
+                                        </p:tgtEl>
+                                        <p:attrNameLst>
+                                          <p:attrName>style.visibility</p:attrName>
+                                        </p:attrNameLst>
+                                      </p:cBhvr>
+                                      <p:to>
+                                        <p:strVal val="visible"/>
+                                      </p:to>
+                                    </p:set>
+                                  </p:childTnLst>
+                                </p:cTn>
+                              </p:par>
+                            </p:childTnLst>
+                          </p:cTn>
+                        </p:par>
+                      </p:childTnLst>
+                    </p:cTn>
+                  </p:par>
+                  <p:par>
+                    <p:cTn id="27" fill="hold">
+                      <p:stCondLst>
+                        <p:cond delay="indefinite"/>
+                      </p:stCondLst>
+                      <p:childTnLst>
+                        <p:par>
+                          <p:cTn id="28" fill="hold">
+                            <p:stCondLst>
+                              <p:cond delay="0"/>
+                            </p:stCondLst>
+                            <p:childTnLst>
+                              <p:par>
+                                <p:cTn id="29" presetID="1" presetClass="entr" presetSubtype="0" fill="hold" grpId="0" nodeType="clickEffect">
+                                  <p:stCondLst>
+                                    <p:cond delay="0"/>
+                                  </p:stCondLst>
+                                  <p:childTnLst>
+                                    <p:set>
+                                      <p:cBhvr>
+                                        <p:cTn id="30" dur="1" fill="hold">
+                                          <p:stCondLst>
+                                            <p:cond delay="0"/>
+                                          </p:stCondLst>
+                                        </p:cTn>
+                                        <p:tgtEl>
+                                          <p:spTgt spid="22"/>
+                                        </p:tgtEl>
+                                        <p:attrNameLst>
+                                          <p:attrName>style.visibility</p:attrName>
+                                        </p:attrNameLst>
+                                      </p:cBhvr>
+                                      <p:to>
+                                        <p:strVal val="visible"/>
+                                      </p:to>
+                                    </p:set>
+                                  </p:childTnLst>
+                                </p:cTn>
+                              </p:par>
+                              <p:par>
+                                <p:cTn id="31" presetID="1" presetClass="entr" presetSubtype="0" fill="hold" nodeType="withEffect">
+                                  <p:stCondLst>
+                                    <p:cond delay="0"/>
+                                  </p:stCondLst>
+                                  <p:childTnLst>
+                                    <p:set>
+                                      <p:cBhvr>
+                                        <p:cTn id="32" dur="1" fill="hold">
+                                          <p:stCondLst>
+                                            <p:cond delay="0"/>
+                                          </p:stCondLst>
+                                        </p:cTn>
+                                        <p:tgtEl>
+                                          <p:spTgt spid="23"/>
+                                        </p:tgtEl>
+                                        <p:attrNameLst>
+                                          <p:attrName>style.visibility</p:attrName>
+                                        </p:attrNameLst>
+                                      </p:cBhvr>
+                                      <p:to>
+                                        <p:strVal val="visible"/>
+                                      </p:to>
+                                    </p:set>
+                                  </p:childTnLst>
+                                </p:cTn>
+                              </p:par>
+                              <p:par>
+                                <p:cTn id="33" presetID="1" presetClass="entr" presetSubtype="0" fill="hold" grpId="0" nodeType="withEffect">
+                                  <p:stCondLst>
+                                    <p:cond delay="0"/>
+                                  </p:stCondLst>
+                                  <p:childTnLst>
+                                    <p:set>
+                                      <p:cBhvr>
+                                        <p:cTn id="34" dur="1" fill="hold">
+                                          <p:stCondLst>
+                                            <p:cond delay="0"/>
+                                          </p:stCondLst>
+                                        </p:cTn>
+                                        <p:tgtEl>
+                                          <p:spTgt spid="8"/>
+                                        </p:tgtEl>
+                                        <p:attrNameLst>
+                                          <p:attrName>style.visibility</p:attrName>
+                                        </p:attrNameLst>
+                                      </p:cBhvr>
+                                      <p:to>
+                                        <p:strVal val="visible"/>
+                                      </p:to>
+                                    </p:set>
+                                  </p:childTnLst>
+                                </p:cTn>
+                              </p:par>
+                            </p:childTnLst>
+                          </p:cTn>
+                        </p:par>
+                      </p:childTnLst>
+                    </p:cTn>
+                  </p:par>
+                  <p:par>
+                    <p:cTn id="35" fill="hold">
+                      <p:stCondLst>
+                        <p:cond delay="indefinite"/>
+                      </p:stCondLst>
+                      <p:childTnLst>
+                        <p:par>
+                          <p:cTn id="36" fill="hold">
+                            <p:stCondLst>
+                              <p:cond delay="0"/>
+                            </p:stCondLst>
+                            <p:childTnLst>
+                              <p:par>
+                                <p:cTn id="37" presetID="1" presetClass="entr" presetSubtype="0" fill="hold" nodeType="clickEffect">
+                                  <p:stCondLst>
+                                    <p:cond delay="0"/>
+                                  </p:stCondLst>
+                                  <p:childTnLst>
+                                    <p:set>
+                                      <p:cBhvr>
+                                        <p:cTn id="38" dur="1" fill="hold">
+                                          <p:stCondLst>
+                                            <p:cond delay="0"/>
+                                          </p:stCondLst>
+                                        </p:cTn>
+                                        <p:tgtEl>
+                                          <p:spTgt spid="29"/>
+                                        </p:tgtEl>
+                                        <p:attrNameLst>
+                                          <p:attrName>style.visibility</p:attrName>
+                                        </p:attrNameLst>
+                                      </p:cBhvr>
+                                      <p:to>
+                                        <p:strVal val="visible"/>
+                                      </p:to>
+                                    </p:set>
+                                  </p:childTnLst>
+                                </p:cTn>
+                              </p:par>
+                            </p:childTnLst>
+                          </p:cTn>
+                        </p:par>
+                      </p:childTnLst>
+                    </p:cTn>
+                  </p:par>
+                  <p:par>
+                    <p:cTn id="39" fill="hold">
+                      <p:stCondLst>
+                        <p:cond delay="indefinite"/>
+                      </p:stCondLst>
+                      <p:childTnLst>
+                        <p:par>
+                          <p:cTn id="40" fill="hold">
+                            <p:stCondLst>
+                              <p:cond delay="0"/>
+                            </p:stCondLst>
+                            <p:childTnLst>
+                              <p:par>
+                                <p:cTn id="41" presetID="1" presetClass="entr" presetSubtype="0" fill="hold" nodeType="clickEffect">
+                                  <p:stCondLst>
+                                    <p:cond delay="0"/>
+                                  </p:stCondLst>
+                                  <p:childTnLst>
+                                    <p:set>
+                                      <p:cBhvr>
+                                        <p:cTn id="42" dur="1" fill="hold">
+                                          <p:stCondLst>
+                                            <p:cond delay="0"/>
+                                          </p:stCondLst>
+                                        </p:cTn>
+                                        <p:tgtEl>
+                                          <p:spTgt spid="31"/>
+                                        </p:tgtEl>
+                                        <p:attrNameLst>
+                                          <p:attrName>style.visibility</p:attrName>
+                                        </p:attrNameLst>
+                                      </p:cBhvr>
+                                      <p:to>
+                                        <p:strVal val="visible"/>
+                                      </p:to>
+                                    </p:set>
+                                  </p:childTnLst>
+                                </p:cTn>
+                              </p:par>
+                              <p:par>
+                                <p:cTn id="43" presetID="1" presetClass="entr" presetSubtype="0" fill="hold" grpId="0" nodeType="withEffect">
+                                  <p:stCondLst>
+                                    <p:cond delay="0"/>
+                                  </p:stCondLst>
+                                  <p:childTnLst>
+                                    <p:set>
+                                      <p:cBhvr>
+                                        <p:cTn id="44" dur="1" fill="hold">
                                           <p:stCondLst>
                                             <p:cond delay="0"/>
                                           </p:stCondLst>
                                         </p:cTn>
                                         <p:tgtEl>
                                           <p:spTgt spid="9"/>
+                                        </p:tgtEl>
+                                        <p:attrNameLst>
+                                          <p:attrName>style.visibility</p:attrName>
+                                        </p:attrNameLst>
+                                      </p:cBhvr>
+                                      <p:to>
+                                        <p:strVal val="visible"/>
+                                      </p:to>
+                                    </p:set>
+                                  </p:childTnLst>
+                                </p:cTn>
+                              </p:par>
+                            </p:childTnLst>
+                          </p:cTn>
+                        </p:par>
+                      </p:childTnLst>
+                    </p:cTn>
+                  </p:par>
+                  <p:par>
+                    <p:cTn id="45" fill="hold">
+                      <p:stCondLst>
+                        <p:cond delay="indefinite"/>
+                      </p:stCondLst>
+                      <p:childTnLst>
+                        <p:par>
+                          <p:cTn id="46" fill="hold">
+                            <p:stCondLst>
+                              <p:cond delay="0"/>
+                            </p:stCondLst>
+                            <p:childTnLst>
+                              <p:par>
+                                <p:cTn id="47" presetID="1" presetClass="entr" presetSubtype="0" fill="hold" grpId="0" nodeType="clickEffect">
+                                  <p:stCondLst>
+                                    <p:cond delay="0"/>
+                                  </p:stCondLst>
+                                  <p:childTnLst>
+                                    <p:set>
+                                      <p:cBhvr>
+                                        <p:cTn id="48" dur="1" fill="hold">
+                                          <p:stCondLst>
+                                            <p:cond delay="0"/>
+                                          </p:stCondLst>
+                                        </p:cTn>
+                                        <p:tgtEl>
+                                          <p:spTgt spid="37"/>
+                                        </p:tgtEl>
+                                        <p:attrNameLst>
+                                          <p:attrName>style.visibility</p:attrName>
+                                        </p:attrNameLst>
+                                      </p:cBhvr>
+                                      <p:to>
+                                        <p:strVal val="visible"/>
+                                      </p:to>
+                                    </p:set>
+                                  </p:childTnLst>
+                                </p:cTn>
+                              </p:par>
+                              <p:par>
+                                <p:cTn id="49" presetID="1" presetClass="entr" presetSubtype="0" fill="hold" grpId="0" nodeType="withEffect">
+                                  <p:stCondLst>
+                                    <p:cond delay="0"/>
+                                  </p:stCondLst>
+                                  <p:childTnLst>
+                                    <p:set>
+                                      <p:cBhvr>
+                                        <p:cTn id="50" dur="1" fill="hold">
+                                          <p:stCondLst>
+                                            <p:cond delay="0"/>
+                                          </p:stCondLst>
+                                        </p:cTn>
+                                        <p:tgtEl>
+                                          <p:spTgt spid="36"/>
                                         </p:tgtEl>
                                         <p:attrNameLst>
                                           <p:attrName>style.visibility</p:attrName>
@@ -6071,131 +7028,16 @@
       </p:par>
     </p:tnLst>
     <p:bldLst>
-      <p:bldP spid="6" grpId="0" animBg="1"/>
+      <p:bldP spid="3" grpId="0" animBg="1"/>
       <p:bldP spid="7" grpId="0" animBg="1"/>
       <p:bldP spid="8" grpId="0" animBg="1"/>
       <p:bldP spid="9" grpId="0" animBg="1"/>
-      <p:bldP spid="16" grpId="0" animBg="1"/>
-      <p:bldP spid="18" grpId="0" animBg="1"/>
+      <p:bldP spid="13" grpId="0"/>
+      <p:bldP spid="22" grpId="0"/>
+      <p:bldP spid="19" grpId="0" animBg="1"/>
+      <p:bldP spid="36" grpId="0" animBg="1"/>
+      <p:bldP spid="37" grpId="0" animBg="1"/>
     </p:bldLst>
-  </p:timing>
-</p:sld>
-</file>
-
-<file path=ppt/slides/slide4.xml><?xml version="1.0" encoding="utf-8"?>
-<p:sld xmlns:a="http://schemas.openxmlformats.org/drawingml/2006/main" xmlns:r="http://schemas.openxmlformats.org/officeDocument/2006/relationships" xmlns:p="http://schemas.openxmlformats.org/presentationml/2006/main">
-  <p:cSld>
-    <p:spTree>
-      <p:nvGrpSpPr>
-        <p:cNvPr id="1" name=""/>
-        <p:cNvGrpSpPr/>
-        <p:nvPr/>
-      </p:nvGrpSpPr>
-      <p:grpSpPr>
-        <a:xfrm>
-          <a:off x="0" y="0"/>
-          <a:ext cx="0" cy="0"/>
-          <a:chOff x="0" y="0"/>
-          <a:chExt cx="0" cy="0"/>
-        </a:xfrm>
-      </p:grpSpPr>
-      <p:sp>
-        <p:nvSpPr>
-          <p:cNvPr id="2" name="Titre 1"/>
-          <p:cNvSpPr>
-            <a:spLocks noGrp="1"/>
-          </p:cNvSpPr>
-          <p:nvPr>
-            <p:ph type="title"/>
-          </p:nvPr>
-        </p:nvSpPr>
-        <p:spPr/>
-        <p:txBody>
-          <a:bodyPr/>
-          <a:lstStyle/>
-          <a:p>
-            <a:r>
-              <a:rPr lang="fr-BE" dirty="0" smtClean="0"/>
-              <a:t>2.   Our Position</a:t>
-            </a:r>
-            <a:endParaRPr lang="fr-BE" dirty="0"/>
-          </a:p>
-        </p:txBody>
-      </p:sp>
-      <p:sp>
-        <p:nvSpPr>
-          <p:cNvPr id="4" name="Espace réservé du numéro de diapositive 3"/>
-          <p:cNvSpPr>
-            <a:spLocks noGrp="1"/>
-          </p:cNvSpPr>
-          <p:nvPr>
-            <p:ph type="sldNum" sz="quarter" idx="10"/>
-          </p:nvPr>
-        </p:nvSpPr>
-        <p:spPr/>
-        <p:txBody>
-          <a:bodyPr/>
-          <a:lstStyle/>
-          <a:p>
-            <a:pPr>
-              <a:defRPr/>
-            </a:pPr>
-            <a:fld id="{326C6059-A255-C24B-AAEC-93A3405961B0}" type="slidenum">
-              <a:rPr lang="en-US" smtClean="0"/>
-              <a:pPr>
-                <a:defRPr/>
-              </a:pPr>
-              <a:t>4</a:t>
-            </a:fld>
-            <a:endParaRPr lang="en-US" dirty="0"/>
-          </a:p>
-        </p:txBody>
-      </p:sp>
-      <p:pic>
-        <p:nvPicPr>
-          <p:cNvPr id="9" name="Espace réservé du contenu 8"/>
-          <p:cNvPicPr>
-            <a:picLocks noGrp="1" noChangeAspect="1"/>
-          </p:cNvPicPr>
-          <p:nvPr>
-            <p:ph idx="1"/>
-          </p:nvPr>
-        </p:nvPicPr>
-        <p:blipFill>
-          <a:blip r:embed="rId2">
-            <a:extLst>
-              <a:ext uri="{28A0092B-C50C-407E-A947-70E740481C1C}">
-                <a14:useLocalDpi xmlns:a14="http://schemas.microsoft.com/office/drawing/2010/main" val="0"/>
-              </a:ext>
-            </a:extLst>
-          </a:blip>
-          <a:stretch>
-            <a:fillRect/>
-          </a:stretch>
-        </p:blipFill>
-        <p:spPr>
-          <a:xfrm>
-            <a:off x="1627830" y="1389063"/>
-            <a:ext cx="5888340" cy="5057775"/>
-          </a:xfrm>
-        </p:spPr>
-      </p:pic>
-    </p:spTree>
-    <p:extLst>
-      <p:ext uri="{BB962C8B-B14F-4D97-AF65-F5344CB8AC3E}">
-        <p14:creationId xmlns:p14="http://schemas.microsoft.com/office/powerpoint/2010/main" val="827691836"/>
-      </p:ext>
-    </p:extLst>
-  </p:cSld>
-  <p:clrMapOvr>
-    <a:masterClrMapping/>
-  </p:clrMapOvr>
-  <p:timing>
-    <p:tnLst>
-      <p:par>
-        <p:cTn id="1" dur="indefinite" restart="never" nodeType="tmRoot"/>
-      </p:par>
-    </p:tnLst>
   </p:timing>
 </p:sld>
 </file>
@@ -6234,41 +7076,35 @@
           <a:p>
             <a:r>
               <a:rPr lang="fr-BE" dirty="0" smtClean="0"/>
-              <a:t>3.   Use Case</a:t>
+              <a:t>The </a:t>
+            </a:r>
+            <a:r>
+              <a:rPr lang="fr-BE" dirty="0" err="1" smtClean="0"/>
+              <a:t>problem</a:t>
             </a:r>
             <a:endParaRPr lang="fr-BE" dirty="0"/>
           </a:p>
         </p:txBody>
       </p:sp>
-      <p:pic>
-        <p:nvPicPr>
-          <p:cNvPr id="5" name="Espace réservé du contenu 4"/>
-          <p:cNvPicPr>
-            <a:picLocks noGrp="1" noChangeAspect="1"/>
-          </p:cNvPicPr>
+      <p:sp>
+        <p:nvSpPr>
+          <p:cNvPr id="3" name="Espace réservé du contenu 2"/>
+          <p:cNvSpPr>
+            <a:spLocks noGrp="1"/>
+          </p:cNvSpPr>
           <p:nvPr>
             <p:ph idx="1"/>
           </p:nvPr>
-        </p:nvPicPr>
-        <p:blipFill>
-          <a:blip r:embed="rId2">
-            <a:extLst>
-              <a:ext uri="{28A0092B-C50C-407E-A947-70E740481C1C}">
-                <a14:useLocalDpi xmlns:a14="http://schemas.microsoft.com/office/drawing/2010/main" val="0"/>
-              </a:ext>
-            </a:extLst>
-          </a:blip>
-          <a:stretch>
-            <a:fillRect/>
-          </a:stretch>
-        </p:blipFill>
-        <p:spPr>
-          <a:xfrm>
-            <a:off x="1236801" y="1300163"/>
-            <a:ext cx="6670398" cy="5057775"/>
-          </a:xfrm>
-        </p:spPr>
-      </p:pic>
+        </p:nvSpPr>
+        <p:spPr/>
+        <p:txBody>
+          <a:bodyPr/>
+          <a:lstStyle/>
+          <a:p>
+            <a:endParaRPr lang="fr-BE" dirty="0"/>
+          </a:p>
+        </p:txBody>
+      </p:sp>
       <p:sp>
         <p:nvSpPr>
           <p:cNvPr id="4" name="Espace réservé du numéro de diapositive 3"/>
@@ -6298,10 +7134,1179 @@
           </a:p>
         </p:txBody>
       </p:sp>
+      <p:pic>
+        <p:nvPicPr>
+          <p:cNvPr id="5" name="Picture 6" descr="C:\Users\Vincent\AppData\Local\Microsoft\Windows\Temporary Internet Files\Content.IE5\95385EUO\0e920f2df0ef9cf04fcb654a716a218c94eb294d[1].png"/>
+          <p:cNvPicPr>
+            <a:picLocks noChangeAspect="1" noChangeArrowheads="1"/>
+          </p:cNvPicPr>
+          <p:nvPr/>
+        </p:nvPicPr>
+        <p:blipFill>
+          <a:blip r:embed="rId2">
+            <a:extLst>
+              <a:ext uri="{28A0092B-C50C-407E-A947-70E740481C1C}">
+                <a14:useLocalDpi xmlns:a14="http://schemas.microsoft.com/office/drawing/2010/main" val="0"/>
+              </a:ext>
+            </a:extLst>
+          </a:blip>
+          <a:srcRect/>
+          <a:stretch>
+            <a:fillRect/>
+          </a:stretch>
+        </p:blipFill>
+        <p:spPr bwMode="auto">
+          <a:xfrm>
+            <a:off x="0" y="1412777"/>
+            <a:ext cx="9144000" cy="5445224"/>
+          </a:xfrm>
+          <a:prstGeom prst="rect">
+            <a:avLst/>
+          </a:prstGeom>
+          <a:noFill/>
+          <a:extLst>
+            <a:ext uri="{909E8E84-426E-40dd-AFC4-6F175D3DCCD1}">
+              <a14:hiddenFill xmlns:a14="http://schemas.microsoft.com/office/drawing/2010/main" xmlns="">
+                <a:solidFill>
+                  <a:srgbClr val="FFFFFF"/>
+                </a:solidFill>
+              </a14:hiddenFill>
+            </a:ext>
+          </a:extLst>
+        </p:spPr>
+      </p:pic>
+      <p:pic>
+        <p:nvPicPr>
+          <p:cNvPr id="6" name="Picture 6" descr="C:\Users\Vincent\AppData\Local\Microsoft\Windows\Temporary Internet Files\Content.IE5\95385EUO\0e920f2df0ef9cf04fcb654a716a218c94eb294d[1].png"/>
+          <p:cNvPicPr>
+            <a:picLocks noChangeAspect="1" noChangeArrowheads="1"/>
+          </p:cNvPicPr>
+          <p:nvPr/>
+        </p:nvPicPr>
+        <p:blipFill>
+          <a:blip r:embed="rId2">
+            <a:extLst>
+              <a:ext uri="{28A0092B-C50C-407E-A947-70E740481C1C}">
+                <a14:useLocalDpi xmlns:a14="http://schemas.microsoft.com/office/drawing/2010/main" val="0"/>
+              </a:ext>
+            </a:extLst>
+          </a:blip>
+          <a:srcRect/>
+          <a:stretch>
+            <a:fillRect/>
+          </a:stretch>
+        </p:blipFill>
+        <p:spPr bwMode="auto">
+          <a:xfrm>
+            <a:off x="0" y="1412777"/>
+            <a:ext cx="9144000" cy="5445224"/>
+          </a:xfrm>
+          <a:prstGeom prst="rect">
+            <a:avLst/>
+          </a:prstGeom>
+          <a:noFill/>
+          <a:extLst>
+            <a:ext uri="{909E8E84-426E-40dd-AFC4-6F175D3DCCD1}">
+              <a14:hiddenFill xmlns:a14="http://schemas.microsoft.com/office/drawing/2010/main" xmlns="">
+                <a:solidFill>
+                  <a:srgbClr val="FFFFFF"/>
+                </a:solidFill>
+              </a14:hiddenFill>
+            </a:ext>
+          </a:extLst>
+        </p:spPr>
+      </p:pic>
+      <p:pic>
+        <p:nvPicPr>
+          <p:cNvPr id="7" name="Picture 2"/>
+          <p:cNvPicPr>
+            <a:picLocks noChangeAspect="1" noChangeArrowheads="1"/>
+          </p:cNvPicPr>
+          <p:nvPr/>
+        </p:nvPicPr>
+        <p:blipFill>
+          <a:blip r:embed="rId3" cstate="print">
+            <a:extLst>
+              <a:ext uri="{28A0092B-C50C-407E-A947-70E740481C1C}">
+                <a14:useLocalDpi xmlns:a14="http://schemas.microsoft.com/office/drawing/2010/main" val="0"/>
+              </a:ext>
+            </a:extLst>
+          </a:blip>
+          <a:srcRect/>
+          <a:stretch>
+            <a:fillRect/>
+          </a:stretch>
+        </p:blipFill>
+        <p:spPr bwMode="auto">
+          <a:xfrm>
+            <a:off x="6455893" y="4581128"/>
+            <a:ext cx="1097525" cy="652975"/>
+          </a:xfrm>
+          <a:prstGeom prst="rect">
+            <a:avLst/>
+          </a:prstGeom>
+          <a:noFill/>
+          <a:ln>
+            <a:noFill/>
+          </a:ln>
+          <a:effectLst>
+            <a:glow rad="101600">
+              <a:schemeClr val="accent5">
+                <a:satMod val="175000"/>
+                <a:alpha val="40000"/>
+              </a:schemeClr>
+            </a:glow>
+            <a:outerShdw dist="35921" dir="2700000" algn="ctr" rotWithShape="0">
+              <a:schemeClr val="bg2"/>
+            </a:outerShdw>
+          </a:effectLst>
+          <a:extLst>
+            <a:ext uri="{909E8E84-426E-40dd-AFC4-6F175D3DCCD1}">
+              <a14:hiddenFill xmlns:a14="http://schemas.microsoft.com/office/drawing/2010/main" xmlns="">
+                <a:solidFill>
+                  <a:schemeClr val="accent1"/>
+                </a:solidFill>
+              </a14:hiddenFill>
+            </a:ext>
+            <a:ext uri="{91240B29-F687-4f45-9708-019B960494DF}">
+              <a14:hiddenLine xmlns:a14="http://schemas.microsoft.com/office/drawing/2010/main" xmlns="" w="9525">
+                <a:solidFill>
+                  <a:schemeClr val="tx1"/>
+                </a:solidFill>
+                <a:miter lim="800000"/>
+                <a:headEnd/>
+                <a:tailEnd/>
+              </a14:hiddenLine>
+            </a:ext>
+          </a:extLst>
+        </p:spPr>
+      </p:pic>
+      <p:pic>
+        <p:nvPicPr>
+          <p:cNvPr id="8" name="Picture 4"/>
+          <p:cNvPicPr>
+            <a:picLocks noChangeAspect="1" noChangeArrowheads="1"/>
+          </p:cNvPicPr>
+          <p:nvPr/>
+        </p:nvPicPr>
+        <p:blipFill>
+          <a:blip r:embed="rId4" cstate="print">
+            <a:extLst>
+              <a:ext uri="{28A0092B-C50C-407E-A947-70E740481C1C}">
+                <a14:useLocalDpi xmlns:a14="http://schemas.microsoft.com/office/drawing/2010/main" val="0"/>
+              </a:ext>
+            </a:extLst>
+          </a:blip>
+          <a:srcRect/>
+          <a:stretch>
+            <a:fillRect/>
+          </a:stretch>
+        </p:blipFill>
+        <p:spPr bwMode="auto">
+          <a:xfrm>
+            <a:off x="5874810" y="5363426"/>
+            <a:ext cx="360040" cy="585737"/>
+          </a:xfrm>
+          <a:prstGeom prst="rect">
+            <a:avLst/>
+          </a:prstGeom>
+          <a:noFill/>
+          <a:ln>
+            <a:noFill/>
+          </a:ln>
+          <a:effectLst>
+            <a:glow rad="101600">
+              <a:schemeClr val="accent5">
+                <a:satMod val="175000"/>
+                <a:alpha val="40000"/>
+              </a:schemeClr>
+            </a:glow>
+            <a:outerShdw dist="35921" dir="2700000" algn="ctr" rotWithShape="0">
+              <a:schemeClr val="bg2"/>
+            </a:outerShdw>
+          </a:effectLst>
+          <a:extLst>
+            <a:ext uri="{909E8E84-426E-40dd-AFC4-6F175D3DCCD1}">
+              <a14:hiddenFill xmlns:a14="http://schemas.microsoft.com/office/drawing/2010/main" xmlns="">
+                <a:solidFill>
+                  <a:schemeClr val="accent1"/>
+                </a:solidFill>
+              </a14:hiddenFill>
+            </a:ext>
+            <a:ext uri="{91240B29-F687-4f45-9708-019B960494DF}">
+              <a14:hiddenLine xmlns:a14="http://schemas.microsoft.com/office/drawing/2010/main" xmlns="" w="9525">
+                <a:solidFill>
+                  <a:schemeClr val="tx1"/>
+                </a:solidFill>
+                <a:miter lim="800000"/>
+                <a:headEnd/>
+                <a:tailEnd/>
+              </a14:hiddenLine>
+            </a:ext>
+          </a:extLst>
+        </p:spPr>
+      </p:pic>
+      <p:pic>
+        <p:nvPicPr>
+          <p:cNvPr id="9" name="Picture 4"/>
+          <p:cNvPicPr>
+            <a:picLocks noChangeAspect="1" noChangeArrowheads="1"/>
+          </p:cNvPicPr>
+          <p:nvPr/>
+        </p:nvPicPr>
+        <p:blipFill>
+          <a:blip r:embed="rId5" cstate="print">
+            <a:extLst>
+              <a:ext uri="{28A0092B-C50C-407E-A947-70E740481C1C}">
+                <a14:useLocalDpi xmlns:a14="http://schemas.microsoft.com/office/drawing/2010/main" val="0"/>
+              </a:ext>
+            </a:extLst>
+          </a:blip>
+          <a:srcRect/>
+          <a:stretch>
+            <a:fillRect/>
+          </a:stretch>
+        </p:blipFill>
+        <p:spPr bwMode="auto">
+          <a:xfrm>
+            <a:off x="7533937" y="5363426"/>
+            <a:ext cx="429622" cy="698937"/>
+          </a:xfrm>
+          <a:prstGeom prst="rect">
+            <a:avLst/>
+          </a:prstGeom>
+          <a:noFill/>
+          <a:ln>
+            <a:noFill/>
+          </a:ln>
+          <a:effectLst>
+            <a:glow rad="101600">
+              <a:schemeClr val="accent5">
+                <a:satMod val="175000"/>
+                <a:alpha val="40000"/>
+              </a:schemeClr>
+            </a:glow>
+            <a:outerShdw dist="35921" dir="2700000" algn="ctr" rotWithShape="0">
+              <a:schemeClr val="bg2"/>
+            </a:outerShdw>
+          </a:effectLst>
+          <a:extLst>
+            <a:ext uri="{909E8E84-426E-40dd-AFC4-6F175D3DCCD1}">
+              <a14:hiddenFill xmlns:a14="http://schemas.microsoft.com/office/drawing/2010/main" xmlns="">
+                <a:solidFill>
+                  <a:schemeClr val="accent1"/>
+                </a:solidFill>
+              </a14:hiddenFill>
+            </a:ext>
+            <a:ext uri="{91240B29-F687-4f45-9708-019B960494DF}">
+              <a14:hiddenLine xmlns:a14="http://schemas.microsoft.com/office/drawing/2010/main" xmlns="" w="9525">
+                <a:solidFill>
+                  <a:schemeClr val="tx1"/>
+                </a:solidFill>
+                <a:miter lim="800000"/>
+                <a:headEnd/>
+                <a:tailEnd/>
+              </a14:hiddenLine>
+            </a:ext>
+          </a:extLst>
+        </p:spPr>
+      </p:pic>
+      <p:pic>
+        <p:nvPicPr>
+          <p:cNvPr id="10" name="Picture 11"/>
+          <p:cNvPicPr>
+            <a:picLocks noChangeAspect="1" noChangeArrowheads="1"/>
+          </p:cNvPicPr>
+          <p:nvPr/>
+        </p:nvPicPr>
+        <p:blipFill>
+          <a:blip r:embed="rId6" cstate="print">
+            <a:extLst>
+              <a:ext uri="{28A0092B-C50C-407E-A947-70E740481C1C}">
+                <a14:useLocalDpi xmlns:a14="http://schemas.microsoft.com/office/drawing/2010/main" val="0"/>
+              </a:ext>
+            </a:extLst>
+          </a:blip>
+          <a:srcRect/>
+          <a:stretch>
+            <a:fillRect/>
+          </a:stretch>
+        </p:blipFill>
+        <p:spPr bwMode="auto">
+          <a:xfrm>
+            <a:off x="2771800" y="3194878"/>
+            <a:ext cx="935792" cy="773588"/>
+          </a:xfrm>
+          <a:prstGeom prst="rect">
+            <a:avLst/>
+          </a:prstGeom>
+          <a:noFill/>
+          <a:ln>
+            <a:noFill/>
+          </a:ln>
+          <a:effectLst/>
+          <a:extLst>
+            <a:ext uri="{909E8E84-426E-40dd-AFC4-6F175D3DCCD1}">
+              <a14:hiddenFill xmlns:a14="http://schemas.microsoft.com/office/drawing/2010/main" xmlns="">
+                <a:solidFill>
+                  <a:schemeClr val="accent1"/>
+                </a:solidFill>
+              </a14:hiddenFill>
+            </a:ext>
+            <a:ext uri="{91240B29-F687-4f45-9708-019B960494DF}">
+              <a14:hiddenLine xmlns:a14="http://schemas.microsoft.com/office/drawing/2010/main" xmlns="" w="9525">
+                <a:solidFill>
+                  <a:schemeClr val="tx1"/>
+                </a:solidFill>
+                <a:miter lim="800000"/>
+                <a:headEnd/>
+                <a:tailEnd/>
+              </a14:hiddenLine>
+            </a:ext>
+            <a:ext uri="{AF507438-7753-43e0-B8FC-AC1667EBCBE1}">
+              <a14:hiddenEffects xmlns:a14="http://schemas.microsoft.com/office/drawing/2010/main" xmlns="">
+                <a:effectLst>
+                  <a:outerShdw dist="35921" dir="2700000" algn="ctr" rotWithShape="0">
+                    <a:schemeClr val="bg2"/>
+                  </a:outerShdw>
+                </a:effectLst>
+              </a14:hiddenEffects>
+            </a:ext>
+          </a:extLst>
+        </p:spPr>
+      </p:pic>
+      <p:pic>
+        <p:nvPicPr>
+          <p:cNvPr id="11" name="Picture 12"/>
+          <p:cNvPicPr>
+            <a:picLocks noChangeAspect="1" noChangeArrowheads="1"/>
+          </p:cNvPicPr>
+          <p:nvPr/>
+        </p:nvPicPr>
+        <p:blipFill>
+          <a:blip r:embed="rId7" cstate="print">
+            <a:extLst>
+              <a:ext uri="{28A0092B-C50C-407E-A947-70E740481C1C}">
+                <a14:useLocalDpi xmlns:a14="http://schemas.microsoft.com/office/drawing/2010/main" val="0"/>
+              </a:ext>
+            </a:extLst>
+          </a:blip>
+          <a:srcRect/>
+          <a:stretch>
+            <a:fillRect/>
+          </a:stretch>
+        </p:blipFill>
+        <p:spPr bwMode="auto">
+          <a:xfrm>
+            <a:off x="4711193" y="4581128"/>
+            <a:ext cx="1056999" cy="897260"/>
+          </a:xfrm>
+          <a:prstGeom prst="rect">
+            <a:avLst/>
+          </a:prstGeom>
+          <a:noFill/>
+          <a:ln>
+            <a:noFill/>
+          </a:ln>
+          <a:effectLst/>
+          <a:extLst>
+            <a:ext uri="{909E8E84-426E-40dd-AFC4-6F175D3DCCD1}">
+              <a14:hiddenFill xmlns:a14="http://schemas.microsoft.com/office/drawing/2010/main" xmlns="">
+                <a:solidFill>
+                  <a:schemeClr val="accent1"/>
+                </a:solidFill>
+              </a14:hiddenFill>
+            </a:ext>
+            <a:ext uri="{91240B29-F687-4f45-9708-019B960494DF}">
+              <a14:hiddenLine xmlns:a14="http://schemas.microsoft.com/office/drawing/2010/main" xmlns="" w="9525">
+                <a:solidFill>
+                  <a:schemeClr val="tx1"/>
+                </a:solidFill>
+                <a:miter lim="800000"/>
+                <a:headEnd/>
+                <a:tailEnd/>
+              </a14:hiddenLine>
+            </a:ext>
+            <a:ext uri="{AF507438-7753-43e0-B8FC-AC1667EBCBE1}">
+              <a14:hiddenEffects xmlns:a14="http://schemas.microsoft.com/office/drawing/2010/main" xmlns="">
+                <a:effectLst>
+                  <a:outerShdw dist="35921" dir="2700000" algn="ctr" rotWithShape="0">
+                    <a:schemeClr val="bg2"/>
+                  </a:outerShdw>
+                </a:effectLst>
+              </a14:hiddenEffects>
+            </a:ext>
+          </a:extLst>
+        </p:spPr>
+      </p:pic>
+      <p:pic>
+        <p:nvPicPr>
+          <p:cNvPr id="12" name="Picture 13"/>
+          <p:cNvPicPr>
+            <a:picLocks noChangeAspect="1" noChangeArrowheads="1"/>
+          </p:cNvPicPr>
+          <p:nvPr/>
+        </p:nvPicPr>
+        <p:blipFill>
+          <a:blip r:embed="rId8" cstate="print">
+            <a:extLst>
+              <a:ext uri="{28A0092B-C50C-407E-A947-70E740481C1C}">
+                <a14:useLocalDpi xmlns:a14="http://schemas.microsoft.com/office/drawing/2010/main" val="0"/>
+              </a:ext>
+            </a:extLst>
+          </a:blip>
+          <a:srcRect/>
+          <a:stretch>
+            <a:fillRect/>
+          </a:stretch>
+        </p:blipFill>
+        <p:spPr bwMode="auto">
+          <a:xfrm>
+            <a:off x="3964163" y="4907438"/>
+            <a:ext cx="513142" cy="478398"/>
+          </a:xfrm>
+          <a:prstGeom prst="rect">
+            <a:avLst/>
+          </a:prstGeom>
+          <a:noFill/>
+          <a:ln>
+            <a:noFill/>
+          </a:ln>
+          <a:effectLst/>
+          <a:extLst>
+            <a:ext uri="{909E8E84-426E-40dd-AFC4-6F175D3DCCD1}">
+              <a14:hiddenFill xmlns:a14="http://schemas.microsoft.com/office/drawing/2010/main" xmlns="">
+                <a:solidFill>
+                  <a:schemeClr val="accent1"/>
+                </a:solidFill>
+              </a14:hiddenFill>
+            </a:ext>
+            <a:ext uri="{91240B29-F687-4f45-9708-019B960494DF}">
+              <a14:hiddenLine xmlns:a14="http://schemas.microsoft.com/office/drawing/2010/main" xmlns="" w="9525">
+                <a:solidFill>
+                  <a:schemeClr val="tx1"/>
+                </a:solidFill>
+                <a:miter lim="800000"/>
+                <a:headEnd/>
+                <a:tailEnd/>
+              </a14:hiddenLine>
+            </a:ext>
+            <a:ext uri="{AF507438-7753-43e0-B8FC-AC1667EBCBE1}">
+              <a14:hiddenEffects xmlns:a14="http://schemas.microsoft.com/office/drawing/2010/main" xmlns="">
+                <a:effectLst>
+                  <a:outerShdw dist="35921" dir="2700000" algn="ctr" rotWithShape="0">
+                    <a:schemeClr val="bg2"/>
+                  </a:outerShdw>
+                </a:effectLst>
+              </a14:hiddenEffects>
+            </a:ext>
+          </a:extLst>
+        </p:spPr>
+      </p:pic>
+      <p:pic>
+        <p:nvPicPr>
+          <p:cNvPr id="13" name="Picture 13"/>
+          <p:cNvPicPr>
+            <a:picLocks noChangeAspect="1" noChangeArrowheads="1"/>
+          </p:cNvPicPr>
+          <p:nvPr/>
+        </p:nvPicPr>
+        <p:blipFill>
+          <a:blip r:embed="rId8" cstate="print">
+            <a:extLst>
+              <a:ext uri="{28A0092B-C50C-407E-A947-70E740481C1C}">
+                <a14:useLocalDpi xmlns:a14="http://schemas.microsoft.com/office/drawing/2010/main" val="0"/>
+              </a:ext>
+            </a:extLst>
+          </a:blip>
+          <a:srcRect/>
+          <a:stretch>
+            <a:fillRect/>
+          </a:stretch>
+        </p:blipFill>
+        <p:spPr bwMode="auto">
+          <a:xfrm>
+            <a:off x="6455893" y="5446356"/>
+            <a:ext cx="513142" cy="478398"/>
+          </a:xfrm>
+          <a:prstGeom prst="rect">
+            <a:avLst/>
+          </a:prstGeom>
+          <a:noFill/>
+          <a:ln>
+            <a:noFill/>
+          </a:ln>
+          <a:effectLst/>
+          <a:extLst>
+            <a:ext uri="{909E8E84-426E-40dd-AFC4-6F175D3DCCD1}">
+              <a14:hiddenFill xmlns:a14="http://schemas.microsoft.com/office/drawing/2010/main" xmlns="">
+                <a:solidFill>
+                  <a:schemeClr val="accent1"/>
+                </a:solidFill>
+              </a14:hiddenFill>
+            </a:ext>
+            <a:ext uri="{91240B29-F687-4f45-9708-019B960494DF}">
+              <a14:hiddenLine xmlns:a14="http://schemas.microsoft.com/office/drawing/2010/main" xmlns="" w="9525">
+                <a:solidFill>
+                  <a:schemeClr val="tx1"/>
+                </a:solidFill>
+                <a:miter lim="800000"/>
+                <a:headEnd/>
+                <a:tailEnd/>
+              </a14:hiddenLine>
+            </a:ext>
+            <a:ext uri="{AF507438-7753-43e0-B8FC-AC1667EBCBE1}">
+              <a14:hiddenEffects xmlns:a14="http://schemas.microsoft.com/office/drawing/2010/main" xmlns="">
+                <a:effectLst>
+                  <a:outerShdw dist="35921" dir="2700000" algn="ctr" rotWithShape="0">
+                    <a:schemeClr val="bg2"/>
+                  </a:outerShdw>
+                </a:effectLst>
+              </a14:hiddenEffects>
+            </a:ext>
+          </a:extLst>
+        </p:spPr>
+      </p:pic>
+      <p:pic>
+        <p:nvPicPr>
+          <p:cNvPr id="14" name="Picture 13"/>
+          <p:cNvPicPr>
+            <a:picLocks noChangeAspect="1" noChangeArrowheads="1"/>
+          </p:cNvPicPr>
+          <p:nvPr/>
+        </p:nvPicPr>
+        <p:blipFill>
+          <a:blip r:embed="rId8" cstate="print">
+            <a:extLst>
+              <a:ext uri="{28A0092B-C50C-407E-A947-70E740481C1C}">
+                <a14:useLocalDpi xmlns:a14="http://schemas.microsoft.com/office/drawing/2010/main" val="0"/>
+              </a:ext>
+            </a:extLst>
+          </a:blip>
+          <a:srcRect/>
+          <a:stretch>
+            <a:fillRect/>
+          </a:stretch>
+        </p:blipFill>
+        <p:spPr bwMode="auto">
+          <a:xfrm>
+            <a:off x="6491068" y="2753937"/>
+            <a:ext cx="513142" cy="478398"/>
+          </a:xfrm>
+          <a:prstGeom prst="rect">
+            <a:avLst/>
+          </a:prstGeom>
+          <a:noFill/>
+          <a:ln>
+            <a:noFill/>
+          </a:ln>
+          <a:effectLst/>
+          <a:extLst>
+            <a:ext uri="{909E8E84-426E-40dd-AFC4-6F175D3DCCD1}">
+              <a14:hiddenFill xmlns:a14="http://schemas.microsoft.com/office/drawing/2010/main" xmlns="">
+                <a:solidFill>
+                  <a:schemeClr val="accent1"/>
+                </a:solidFill>
+              </a14:hiddenFill>
+            </a:ext>
+            <a:ext uri="{91240B29-F687-4f45-9708-019B960494DF}">
+              <a14:hiddenLine xmlns:a14="http://schemas.microsoft.com/office/drawing/2010/main" xmlns="" w="9525">
+                <a:solidFill>
+                  <a:schemeClr val="tx1"/>
+                </a:solidFill>
+                <a:miter lim="800000"/>
+                <a:headEnd/>
+                <a:tailEnd/>
+              </a14:hiddenLine>
+            </a:ext>
+            <a:ext uri="{AF507438-7753-43e0-B8FC-AC1667EBCBE1}">
+              <a14:hiddenEffects xmlns:a14="http://schemas.microsoft.com/office/drawing/2010/main" xmlns="">
+                <a:effectLst>
+                  <a:outerShdw dist="35921" dir="2700000" algn="ctr" rotWithShape="0">
+                    <a:schemeClr val="bg2"/>
+                  </a:outerShdw>
+                </a:effectLst>
+              </a14:hiddenEffects>
+            </a:ext>
+          </a:extLst>
+        </p:spPr>
+      </p:pic>
+      <p:pic>
+        <p:nvPicPr>
+          <p:cNvPr id="15" name="Picture 14"/>
+          <p:cNvPicPr>
+            <a:picLocks noChangeAspect="1" noChangeArrowheads="1"/>
+          </p:cNvPicPr>
+          <p:nvPr/>
+        </p:nvPicPr>
+        <p:blipFill>
+          <a:blip r:embed="rId9" cstate="print">
+            <a:extLst>
+              <a:ext uri="{28A0092B-C50C-407E-A947-70E740481C1C}">
+                <a14:useLocalDpi xmlns:a14="http://schemas.microsoft.com/office/drawing/2010/main" val="0"/>
+              </a:ext>
+            </a:extLst>
+          </a:blip>
+          <a:srcRect/>
+          <a:stretch>
+            <a:fillRect/>
+          </a:stretch>
+        </p:blipFill>
+        <p:spPr bwMode="auto">
+          <a:xfrm>
+            <a:off x="7137696" y="2504434"/>
+            <a:ext cx="782727" cy="594462"/>
+          </a:xfrm>
+          <a:prstGeom prst="rect">
+            <a:avLst/>
+          </a:prstGeom>
+          <a:noFill/>
+          <a:ln>
+            <a:noFill/>
+          </a:ln>
+          <a:effectLst/>
+          <a:extLst>
+            <a:ext uri="{909E8E84-426E-40dd-AFC4-6F175D3DCCD1}">
+              <a14:hiddenFill xmlns:a14="http://schemas.microsoft.com/office/drawing/2010/main" xmlns="">
+                <a:solidFill>
+                  <a:schemeClr val="accent1"/>
+                </a:solidFill>
+              </a14:hiddenFill>
+            </a:ext>
+            <a:ext uri="{91240B29-F687-4f45-9708-019B960494DF}">
+              <a14:hiddenLine xmlns:a14="http://schemas.microsoft.com/office/drawing/2010/main" xmlns="" w="9525">
+                <a:solidFill>
+                  <a:schemeClr val="tx1"/>
+                </a:solidFill>
+                <a:miter lim="800000"/>
+                <a:headEnd/>
+                <a:tailEnd/>
+              </a14:hiddenLine>
+            </a:ext>
+            <a:ext uri="{AF507438-7753-43e0-B8FC-AC1667EBCBE1}">
+              <a14:hiddenEffects xmlns:a14="http://schemas.microsoft.com/office/drawing/2010/main" xmlns="">
+                <a:effectLst>
+                  <a:outerShdw dist="35921" dir="2700000" algn="ctr" rotWithShape="0">
+                    <a:schemeClr val="bg2"/>
+                  </a:outerShdw>
+                </a:effectLst>
+              </a14:hiddenEffects>
+            </a:ext>
+          </a:extLst>
+        </p:spPr>
+      </p:pic>
+      <p:pic>
+        <p:nvPicPr>
+          <p:cNvPr id="18" name="Picture 3"/>
+          <p:cNvPicPr>
+            <a:picLocks noChangeAspect="1" noChangeArrowheads="1"/>
+          </p:cNvPicPr>
+          <p:nvPr/>
+        </p:nvPicPr>
+        <p:blipFill>
+          <a:blip r:embed="rId10" cstate="print">
+            <a:extLst>
+              <a:ext uri="{28A0092B-C50C-407E-A947-70E740481C1C}">
+                <a14:useLocalDpi xmlns:a14="http://schemas.microsoft.com/office/drawing/2010/main" val="0"/>
+              </a:ext>
+            </a:extLst>
+          </a:blip>
+          <a:srcRect/>
+          <a:stretch>
+            <a:fillRect/>
+          </a:stretch>
+        </p:blipFill>
+        <p:spPr bwMode="auto">
+          <a:xfrm>
+            <a:off x="4774871" y="3570733"/>
+            <a:ext cx="1099939" cy="736034"/>
+          </a:xfrm>
+          <a:prstGeom prst="rect">
+            <a:avLst/>
+          </a:prstGeom>
+          <a:noFill/>
+          <a:ln>
+            <a:noFill/>
+          </a:ln>
+          <a:effectLst>
+            <a:glow rad="101600">
+              <a:schemeClr val="accent5">
+                <a:satMod val="175000"/>
+                <a:alpha val="40000"/>
+              </a:schemeClr>
+            </a:glow>
+            <a:outerShdw dist="35921" dir="2700000" algn="ctr" rotWithShape="0">
+              <a:schemeClr val="bg2"/>
+            </a:outerShdw>
+          </a:effectLst>
+          <a:extLst>
+            <a:ext uri="{909E8E84-426E-40dd-AFC4-6F175D3DCCD1}">
+              <a14:hiddenFill xmlns:a14="http://schemas.microsoft.com/office/drawing/2010/main" xmlns="">
+                <a:solidFill>
+                  <a:schemeClr val="accent1"/>
+                </a:solidFill>
+              </a14:hiddenFill>
+            </a:ext>
+            <a:ext uri="{91240B29-F687-4f45-9708-019B960494DF}">
+              <a14:hiddenLine xmlns:a14="http://schemas.microsoft.com/office/drawing/2010/main" xmlns="" w="9525">
+                <a:solidFill>
+                  <a:schemeClr val="tx1"/>
+                </a:solidFill>
+                <a:miter lim="800000"/>
+                <a:headEnd/>
+                <a:tailEnd/>
+              </a14:hiddenLine>
+            </a:ext>
+          </a:extLst>
+        </p:spPr>
+      </p:pic>
+      <p:pic>
+        <p:nvPicPr>
+          <p:cNvPr id="19" name="Picture 4"/>
+          <p:cNvPicPr>
+            <a:picLocks noChangeAspect="1" noChangeArrowheads="1"/>
+          </p:cNvPicPr>
+          <p:nvPr/>
+        </p:nvPicPr>
+        <p:blipFill>
+          <a:blip r:embed="rId4" cstate="print">
+            <a:extLst>
+              <a:ext uri="{28A0092B-C50C-407E-A947-70E740481C1C}">
+                <a14:useLocalDpi xmlns:a14="http://schemas.microsoft.com/office/drawing/2010/main" val="0"/>
+              </a:ext>
+            </a:extLst>
+          </a:blip>
+          <a:srcRect/>
+          <a:stretch>
+            <a:fillRect/>
+          </a:stretch>
+        </p:blipFill>
+        <p:spPr bwMode="auto">
+          <a:xfrm>
+            <a:off x="4335073" y="3645024"/>
+            <a:ext cx="361094" cy="587452"/>
+          </a:xfrm>
+          <a:prstGeom prst="rect">
+            <a:avLst/>
+          </a:prstGeom>
+          <a:noFill/>
+          <a:ln>
+            <a:noFill/>
+          </a:ln>
+          <a:effectLst>
+            <a:glow rad="101600">
+              <a:schemeClr val="accent5">
+                <a:satMod val="175000"/>
+                <a:alpha val="40000"/>
+              </a:schemeClr>
+            </a:glow>
+            <a:outerShdw dist="35921" dir="2700000" algn="ctr" rotWithShape="0">
+              <a:schemeClr val="bg2"/>
+            </a:outerShdw>
+          </a:effectLst>
+          <a:extLst>
+            <a:ext uri="{909E8E84-426E-40dd-AFC4-6F175D3DCCD1}">
+              <a14:hiddenFill xmlns:a14="http://schemas.microsoft.com/office/drawing/2010/main" xmlns="">
+                <a:solidFill>
+                  <a:schemeClr val="accent1"/>
+                </a:solidFill>
+              </a14:hiddenFill>
+            </a:ext>
+            <a:ext uri="{91240B29-F687-4f45-9708-019B960494DF}">
+              <a14:hiddenLine xmlns:a14="http://schemas.microsoft.com/office/drawing/2010/main" xmlns="" w="9525">
+                <a:solidFill>
+                  <a:schemeClr val="tx1"/>
+                </a:solidFill>
+                <a:miter lim="800000"/>
+                <a:headEnd/>
+                <a:tailEnd/>
+              </a14:hiddenLine>
+            </a:ext>
+          </a:extLst>
+        </p:spPr>
+      </p:pic>
+      <p:pic>
+        <p:nvPicPr>
+          <p:cNvPr id="21" name="Picture 15"/>
+          <p:cNvPicPr>
+            <a:picLocks noChangeAspect="1" noChangeArrowheads="1"/>
+          </p:cNvPicPr>
+          <p:nvPr/>
+        </p:nvPicPr>
+        <p:blipFill>
+          <a:blip r:embed="rId11" cstate="print">
+            <a:extLst>
+              <a:ext uri="{28A0092B-C50C-407E-A947-70E740481C1C}">
+                <a14:useLocalDpi xmlns:a14="http://schemas.microsoft.com/office/drawing/2010/main" val="0"/>
+              </a:ext>
+            </a:extLst>
+          </a:blip>
+          <a:srcRect/>
+          <a:stretch>
+            <a:fillRect/>
+          </a:stretch>
+        </p:blipFill>
+        <p:spPr bwMode="auto">
+          <a:xfrm rot="324217">
+            <a:off x="774852" y="4364661"/>
+            <a:ext cx="1257593" cy="594247"/>
+          </a:xfrm>
+          <a:prstGeom prst="rect">
+            <a:avLst/>
+          </a:prstGeom>
+          <a:noFill/>
+          <a:ln>
+            <a:noFill/>
+          </a:ln>
+          <a:effectLst/>
+          <a:extLst>
+            <a:ext uri="{909E8E84-426E-40dd-AFC4-6F175D3DCCD1}">
+              <a14:hiddenFill xmlns:a14="http://schemas.microsoft.com/office/drawing/2010/main" xmlns="">
+                <a:solidFill>
+                  <a:schemeClr val="accent1"/>
+                </a:solidFill>
+              </a14:hiddenFill>
+            </a:ext>
+            <a:ext uri="{91240B29-F687-4f45-9708-019B960494DF}">
+              <a14:hiddenLine xmlns:a14="http://schemas.microsoft.com/office/drawing/2010/main" xmlns="" w="9525">
+                <a:solidFill>
+                  <a:schemeClr val="tx1"/>
+                </a:solidFill>
+                <a:miter lim="800000"/>
+                <a:headEnd/>
+                <a:tailEnd/>
+              </a14:hiddenLine>
+            </a:ext>
+            <a:ext uri="{AF507438-7753-43e0-B8FC-AC1667EBCBE1}">
+              <a14:hiddenEffects xmlns:a14="http://schemas.microsoft.com/office/drawing/2010/main" xmlns="">
+                <a:effectLst>
+                  <a:outerShdw dist="35921" dir="2700000" algn="ctr" rotWithShape="0">
+                    <a:schemeClr val="bg2"/>
+                  </a:outerShdw>
+                </a:effectLst>
+              </a14:hiddenEffects>
+            </a:ext>
+          </a:extLst>
+        </p:spPr>
+      </p:pic>
+      <p:sp>
+        <p:nvSpPr>
+          <p:cNvPr id="22" name="Bulle ronde 5"/>
+          <p:cNvSpPr/>
+          <p:nvPr/>
+        </p:nvSpPr>
+        <p:spPr>
+          <a:xfrm>
+            <a:off x="2881403" y="1581055"/>
+            <a:ext cx="2973231" cy="1781809"/>
+          </a:xfrm>
+          <a:prstGeom prst="wedgeEllipseCallout">
+            <a:avLst>
+              <a:gd name="adj1" fmla="val -25269"/>
+              <a:gd name="adj2" fmla="val 62993"/>
+            </a:avLst>
+          </a:prstGeom>
+        </p:spPr>
+        <p:style>
+          <a:lnRef idx="0">
+            <a:schemeClr val="accent3"/>
+          </a:lnRef>
+          <a:fillRef idx="3">
+            <a:schemeClr val="accent3"/>
+          </a:fillRef>
+          <a:effectRef idx="3">
+            <a:schemeClr val="accent3"/>
+          </a:effectRef>
+          <a:fontRef idx="minor">
+            <a:schemeClr val="lt1"/>
+          </a:fontRef>
+        </p:style>
+        <p:txBody>
+          <a:bodyPr rtlCol="0" anchor="ctr"/>
+          <a:lstStyle/>
+          <a:p>
+            <a:pPr algn="ctr"/>
+            <a:r>
+              <a:rPr lang="en-US" b="1" dirty="0">
+                <a:solidFill>
+                  <a:schemeClr val="tx1"/>
+                </a:solidFill>
+              </a:rPr>
+              <a:t>What happen if I fall and become unconscious</a:t>
+            </a:r>
+            <a:r>
+              <a:rPr lang="fr-BE" b="1" dirty="0">
+                <a:solidFill>
+                  <a:schemeClr val="tx1"/>
+                </a:solidFill>
+              </a:rPr>
+              <a:t>?</a:t>
+            </a:r>
+          </a:p>
+        </p:txBody>
+      </p:sp>
+      <p:sp>
+        <p:nvSpPr>
+          <p:cNvPr id="23" name="Bulle ronde 26"/>
+          <p:cNvSpPr/>
+          <p:nvPr/>
+        </p:nvSpPr>
+        <p:spPr>
+          <a:xfrm>
+            <a:off x="3707592" y="3364828"/>
+            <a:ext cx="2973231" cy="1781809"/>
+          </a:xfrm>
+          <a:prstGeom prst="wedgeEllipseCallout">
+            <a:avLst>
+              <a:gd name="adj1" fmla="val -50996"/>
+              <a:gd name="adj2" fmla="val -29775"/>
+            </a:avLst>
+          </a:prstGeom>
+        </p:spPr>
+        <p:style>
+          <a:lnRef idx="0">
+            <a:schemeClr val="accent5"/>
+          </a:lnRef>
+          <a:fillRef idx="3">
+            <a:schemeClr val="accent5"/>
+          </a:fillRef>
+          <a:effectRef idx="3">
+            <a:schemeClr val="accent5"/>
+          </a:effectRef>
+          <a:fontRef idx="minor">
+            <a:schemeClr val="lt1"/>
+          </a:fontRef>
+        </p:style>
+        <p:txBody>
+          <a:bodyPr rtlCol="0" anchor="ctr"/>
+          <a:lstStyle/>
+          <a:p>
+            <a:pPr algn="ctr"/>
+            <a:r>
+              <a:rPr lang="en-US" b="1" dirty="0"/>
+              <a:t>What happens if I forget to close the door? </a:t>
+            </a:r>
+          </a:p>
+        </p:txBody>
+      </p:sp>
+      <p:sp>
+        <p:nvSpPr>
+          <p:cNvPr id="24" name="Bulle ronde 27"/>
+          <p:cNvSpPr/>
+          <p:nvPr/>
+        </p:nvSpPr>
+        <p:spPr>
+          <a:xfrm>
+            <a:off x="266465" y="3325069"/>
+            <a:ext cx="2973231" cy="1781809"/>
+          </a:xfrm>
+          <a:prstGeom prst="wedgeEllipseCallout">
+            <a:avLst>
+              <a:gd name="adj1" fmla="val 52800"/>
+              <a:gd name="adj2" fmla="val -21880"/>
+            </a:avLst>
+          </a:prstGeom>
+        </p:spPr>
+        <p:style>
+          <a:lnRef idx="0">
+            <a:schemeClr val="accent2"/>
+          </a:lnRef>
+          <a:fillRef idx="3">
+            <a:schemeClr val="accent2"/>
+          </a:fillRef>
+          <a:effectRef idx="3">
+            <a:schemeClr val="accent2"/>
+          </a:effectRef>
+          <a:fontRef idx="minor">
+            <a:schemeClr val="lt1"/>
+          </a:fontRef>
+        </p:style>
+        <p:txBody>
+          <a:bodyPr rtlCol="0" anchor="ctr"/>
+          <a:lstStyle/>
+          <a:p>
+            <a:pPr algn="ctr"/>
+            <a:r>
+              <a:rPr lang="en-US" b="1" dirty="0"/>
+              <a:t>What happens if I do not hear a sound of phone ringing? </a:t>
+            </a:r>
+          </a:p>
+        </p:txBody>
+      </p:sp>
+      <p:pic>
+        <p:nvPicPr>
+          <p:cNvPr id="25" name="Picture 5"/>
+          <p:cNvPicPr>
+            <a:picLocks noChangeAspect="1" noChangeArrowheads="1"/>
+          </p:cNvPicPr>
+          <p:nvPr/>
+        </p:nvPicPr>
+        <p:blipFill>
+          <a:blip r:embed="rId12">
+            <a:extLst>
+              <a:ext uri="{28A0092B-C50C-407E-A947-70E740481C1C}">
+                <a14:useLocalDpi xmlns:a14="http://schemas.microsoft.com/office/drawing/2010/main" val="0"/>
+              </a:ext>
+            </a:extLst>
+          </a:blip>
+          <a:srcRect/>
+          <a:stretch>
+            <a:fillRect/>
+          </a:stretch>
+        </p:blipFill>
+        <p:spPr bwMode="auto">
+          <a:xfrm>
+            <a:off x="191309" y="1634252"/>
+            <a:ext cx="2041591" cy="1056283"/>
+          </a:xfrm>
+          <a:prstGeom prst="rect">
+            <a:avLst/>
+          </a:prstGeom>
+          <a:noFill/>
+          <a:ln>
+            <a:noFill/>
+          </a:ln>
+          <a:effectLst>
+            <a:glow rad="101600">
+              <a:schemeClr val="accent5">
+                <a:satMod val="175000"/>
+                <a:alpha val="40000"/>
+              </a:schemeClr>
+            </a:glow>
+            <a:outerShdw dist="35921" dir="2700000" algn="ctr" rotWithShape="0">
+              <a:schemeClr val="bg2"/>
+            </a:outerShdw>
+          </a:effectLst>
+          <a:extLst>
+            <a:ext uri="{909E8E84-426E-40dd-AFC4-6F175D3DCCD1}">
+              <a14:hiddenFill xmlns:a14="http://schemas.microsoft.com/office/drawing/2010/main" xmlns="">
+                <a:solidFill>
+                  <a:schemeClr val="accent1"/>
+                </a:solidFill>
+              </a14:hiddenFill>
+            </a:ext>
+            <a:ext uri="{91240B29-F687-4f45-9708-019B960494DF}">
+              <a14:hiddenLine xmlns:a14="http://schemas.microsoft.com/office/drawing/2010/main" xmlns="" w="9525">
+                <a:solidFill>
+                  <a:schemeClr val="tx1"/>
+                </a:solidFill>
+                <a:miter lim="800000"/>
+                <a:headEnd/>
+                <a:tailEnd/>
+              </a14:hiddenLine>
+            </a:ext>
+          </a:extLst>
+        </p:spPr>
+      </p:pic>
+      <p:pic>
+        <p:nvPicPr>
+          <p:cNvPr id="26" name="Picture 9"/>
+          <p:cNvPicPr>
+            <a:picLocks noChangeAspect="1" noChangeArrowheads="1"/>
+          </p:cNvPicPr>
+          <p:nvPr/>
+        </p:nvPicPr>
+        <p:blipFill>
+          <a:blip r:embed="rId13" cstate="print">
+            <a:extLst>
+              <a:ext uri="{28A0092B-C50C-407E-A947-70E740481C1C}">
+                <a14:useLocalDpi xmlns:a14="http://schemas.microsoft.com/office/drawing/2010/main" val="0"/>
+              </a:ext>
+            </a:extLst>
+          </a:blip>
+          <a:srcRect/>
+          <a:stretch>
+            <a:fillRect/>
+          </a:stretch>
+        </p:blipFill>
+        <p:spPr bwMode="auto">
+          <a:xfrm>
+            <a:off x="-36512" y="5813686"/>
+            <a:ext cx="1029850" cy="1052736"/>
+          </a:xfrm>
+          <a:prstGeom prst="rect">
+            <a:avLst/>
+          </a:prstGeom>
+          <a:noFill/>
+          <a:ln>
+            <a:noFill/>
+          </a:ln>
+          <a:effectLst/>
+          <a:extLst>
+            <a:ext uri="{909E8E84-426E-40dd-AFC4-6F175D3DCCD1}">
+              <a14:hiddenFill xmlns:a14="http://schemas.microsoft.com/office/drawing/2010/main" xmlns="">
+                <a:solidFill>
+                  <a:schemeClr val="accent1"/>
+                </a:solidFill>
+              </a14:hiddenFill>
+            </a:ext>
+            <a:ext uri="{91240B29-F687-4f45-9708-019B960494DF}">
+              <a14:hiddenLine xmlns:a14="http://schemas.microsoft.com/office/drawing/2010/main" xmlns="" w="9525">
+                <a:solidFill>
+                  <a:schemeClr val="tx1"/>
+                </a:solidFill>
+                <a:miter lim="800000"/>
+                <a:headEnd/>
+                <a:tailEnd/>
+              </a14:hiddenLine>
+            </a:ext>
+            <a:ext uri="{AF507438-7753-43e0-B8FC-AC1667EBCBE1}">
+              <a14:hiddenEffects xmlns:a14="http://schemas.microsoft.com/office/drawing/2010/main" xmlns="">
+                <a:effectLst>
+                  <a:outerShdw dist="35921" dir="2700000" algn="ctr" rotWithShape="0">
+                    <a:schemeClr val="bg2"/>
+                  </a:outerShdw>
+                </a:effectLst>
+              </a14:hiddenEffects>
+            </a:ext>
+          </a:extLst>
+        </p:spPr>
+      </p:pic>
+      <p:pic>
+        <p:nvPicPr>
+          <p:cNvPr id="27" name="Picture 10" descr="C:\Users\Vincent\AppData\Local\Microsoft\Windows\Temporary Internet Files\Content.IE5\NKA2RNBE\280px-Infermiere_Volontarie_della_Croce_Rossa_Italiana[1].jpg"/>
+          <p:cNvPicPr>
+            <a:picLocks noChangeAspect="1" noChangeArrowheads="1"/>
+          </p:cNvPicPr>
+          <p:nvPr/>
+        </p:nvPicPr>
+        <p:blipFill>
+          <a:blip r:embed="rId14">
+            <a:extLst>
+              <a:ext uri="{28A0092B-C50C-407E-A947-70E740481C1C}">
+                <a14:useLocalDpi xmlns:a14="http://schemas.microsoft.com/office/drawing/2010/main" val="0"/>
+              </a:ext>
+            </a:extLst>
+          </a:blip>
+          <a:srcRect/>
+          <a:stretch>
+            <a:fillRect/>
+          </a:stretch>
+        </p:blipFill>
+        <p:spPr bwMode="auto">
+          <a:xfrm>
+            <a:off x="1249224" y="5805264"/>
+            <a:ext cx="1390406" cy="1052736"/>
+          </a:xfrm>
+          <a:prstGeom prst="rect">
+            <a:avLst/>
+          </a:prstGeom>
+          <a:noFill/>
+          <a:extLst>
+            <a:ext uri="{909E8E84-426E-40dd-AFC4-6F175D3DCCD1}">
+              <a14:hiddenFill xmlns:a14="http://schemas.microsoft.com/office/drawing/2010/main" xmlns="">
+                <a:solidFill>
+                  <a:srgbClr val="FFFFFF"/>
+                </a:solidFill>
+              </a14:hiddenFill>
+            </a:ext>
+          </a:extLst>
+        </p:spPr>
+      </p:pic>
     </p:spTree>
     <p:extLst>
       <p:ext uri="{BB962C8B-B14F-4D97-AF65-F5344CB8AC3E}">
-        <p14:creationId xmlns:p14="http://schemas.microsoft.com/office/powerpoint/2010/main" val="2191787493"/>
+        <p14:creationId xmlns:p14="http://schemas.microsoft.com/office/powerpoint/2010/main" val="3702896188"/>
       </p:ext>
     </p:extLst>
   </p:cSld>
@@ -6311,9 +8316,187 @@
   <p:timing>
     <p:tnLst>
       <p:par>
-        <p:cTn id="1" dur="indefinite" restart="never" nodeType="tmRoot"/>
+        <p:cTn id="1" dur="indefinite" restart="never" nodeType="tmRoot">
+          <p:childTnLst>
+            <p:seq concurrent="1" nextAc="seek">
+              <p:cTn id="2" dur="indefinite" nodeType="mainSeq">
+                <p:childTnLst>
+                  <p:par>
+                    <p:cTn id="3" fill="hold">
+                      <p:stCondLst>
+                        <p:cond delay="indefinite"/>
+                      </p:stCondLst>
+                      <p:childTnLst>
+                        <p:par>
+                          <p:cTn id="4" fill="hold">
+                            <p:stCondLst>
+                              <p:cond delay="0"/>
+                            </p:stCondLst>
+                            <p:childTnLst>
+                              <p:par>
+                                <p:cTn id="5" presetID="1" presetClass="entr" presetSubtype="0" fill="hold" grpId="0" nodeType="clickEffect">
+                                  <p:stCondLst>
+                                    <p:cond delay="0"/>
+                                  </p:stCondLst>
+                                  <p:childTnLst>
+                                    <p:set>
+                                      <p:cBhvr>
+                                        <p:cTn id="6" dur="1" fill="hold">
+                                          <p:stCondLst>
+                                            <p:cond delay="0"/>
+                                          </p:stCondLst>
+                                        </p:cTn>
+                                        <p:tgtEl>
+                                          <p:spTgt spid="23"/>
+                                        </p:tgtEl>
+                                        <p:attrNameLst>
+                                          <p:attrName>style.visibility</p:attrName>
+                                        </p:attrNameLst>
+                                      </p:cBhvr>
+                                      <p:to>
+                                        <p:strVal val="visible"/>
+                                      </p:to>
+                                    </p:set>
+                                  </p:childTnLst>
+                                </p:cTn>
+                              </p:par>
+                            </p:childTnLst>
+                          </p:cTn>
+                        </p:par>
+                      </p:childTnLst>
+                    </p:cTn>
+                  </p:par>
+                  <p:par>
+                    <p:cTn id="7" fill="hold">
+                      <p:stCondLst>
+                        <p:cond delay="indefinite"/>
+                      </p:stCondLst>
+                      <p:childTnLst>
+                        <p:par>
+                          <p:cTn id="8" fill="hold">
+                            <p:stCondLst>
+                              <p:cond delay="0"/>
+                            </p:stCondLst>
+                            <p:childTnLst>
+                              <p:par>
+                                <p:cTn id="9" presetID="10" presetClass="entr" presetSubtype="0" fill="hold" grpId="0" nodeType="clickEffect">
+                                  <p:stCondLst>
+                                    <p:cond delay="0"/>
+                                  </p:stCondLst>
+                                  <p:childTnLst>
+                                    <p:set>
+                                      <p:cBhvr>
+                                        <p:cTn id="10" dur="1" fill="hold">
+                                          <p:stCondLst>
+                                            <p:cond delay="0"/>
+                                          </p:stCondLst>
+                                        </p:cTn>
+                                        <p:tgtEl>
+                                          <p:spTgt spid="24"/>
+                                        </p:tgtEl>
+                                        <p:attrNameLst>
+                                          <p:attrName>style.visibility</p:attrName>
+                                        </p:attrNameLst>
+                                      </p:cBhvr>
+                                      <p:to>
+                                        <p:strVal val="visible"/>
+                                      </p:to>
+                                    </p:set>
+                                    <p:animEffect transition="in" filter="fade">
+                                      <p:cBhvr>
+                                        <p:cTn id="11" dur="500"/>
+                                        <p:tgtEl>
+                                          <p:spTgt spid="24"/>
+                                        </p:tgtEl>
+                                      </p:cBhvr>
+                                    </p:animEffect>
+                                  </p:childTnLst>
+                                </p:cTn>
+                              </p:par>
+                            </p:childTnLst>
+                          </p:cTn>
+                        </p:par>
+                      </p:childTnLst>
+                    </p:cTn>
+                  </p:par>
+                  <p:par>
+                    <p:cTn id="12" fill="hold">
+                      <p:stCondLst>
+                        <p:cond delay="indefinite"/>
+                      </p:stCondLst>
+                      <p:childTnLst>
+                        <p:par>
+                          <p:cTn id="13" fill="hold">
+                            <p:stCondLst>
+                              <p:cond delay="0"/>
+                            </p:stCondLst>
+                            <p:childTnLst>
+                              <p:par>
+                                <p:cTn id="14" presetID="10" presetClass="entr" presetSubtype="0" fill="hold" nodeType="clickEffect">
+                                  <p:stCondLst>
+                                    <p:cond delay="0"/>
+                                  </p:stCondLst>
+                                  <p:childTnLst>
+                                    <p:set>
+                                      <p:cBhvr>
+                                        <p:cTn id="15" dur="1" fill="hold">
+                                          <p:stCondLst>
+                                            <p:cond delay="0"/>
+                                          </p:stCondLst>
+                                        </p:cTn>
+                                        <p:tgtEl>
+                                          <p:spTgt spid="25"/>
+                                        </p:tgtEl>
+                                        <p:attrNameLst>
+                                          <p:attrName>style.visibility</p:attrName>
+                                        </p:attrNameLst>
+                                      </p:cBhvr>
+                                      <p:to>
+                                        <p:strVal val="visible"/>
+                                      </p:to>
+                                    </p:set>
+                                    <p:animEffect transition="in" filter="fade">
+                                      <p:cBhvr>
+                                        <p:cTn id="16" dur="500"/>
+                                        <p:tgtEl>
+                                          <p:spTgt spid="25"/>
+                                        </p:tgtEl>
+                                      </p:cBhvr>
+                                    </p:animEffect>
+                                  </p:childTnLst>
+                                </p:cTn>
+                              </p:par>
+                            </p:childTnLst>
+                          </p:cTn>
+                        </p:par>
+                      </p:childTnLst>
+                    </p:cTn>
+                  </p:par>
+                </p:childTnLst>
+              </p:cTn>
+              <p:prevCondLst>
+                <p:cond evt="onPrev" delay="0">
+                  <p:tgtEl>
+                    <p:sldTgt/>
+                  </p:tgtEl>
+                </p:cond>
+              </p:prevCondLst>
+              <p:nextCondLst>
+                <p:cond evt="onNext" delay="0">
+                  <p:tgtEl>
+                    <p:sldTgt/>
+                  </p:tgtEl>
+                </p:cond>
+              </p:nextCondLst>
+            </p:seq>
+          </p:childTnLst>
+        </p:cTn>
       </p:par>
     </p:tnLst>
+    <p:bldLst>
+      <p:bldP spid="23" grpId="0" animBg="1"/>
+      <p:bldP spid="24" grpId="0" animBg="1"/>
+    </p:bldLst>
   </p:timing>
 </p:sld>
 </file>
@@ -6352,8 +8535,29 @@
           <a:p>
             <a:r>
               <a:rPr lang="fr-BE" dirty="0"/>
-              <a:t>3.   Use Case</a:t>
-            </a:r>
+              <a:t> The </a:t>
+            </a:r>
+            <a:r>
+              <a:rPr lang="fr-BE" dirty="0" err="1" smtClean="0"/>
+              <a:t>problem</a:t>
+            </a:r>
+            <a:r>
+              <a:rPr lang="fr-BE" dirty="0" smtClean="0"/>
+              <a:t>: </a:t>
+            </a:r>
+            <a:r>
+              <a:rPr lang="fr-BE" dirty="0" err="1" smtClean="0"/>
+              <a:t>activity</a:t>
+            </a:r>
+            <a:r>
+              <a:rPr lang="fr-BE" dirty="0" smtClean="0"/>
+              <a:t> </a:t>
+            </a:r>
+            <a:r>
+              <a:rPr lang="fr-BE" dirty="0" err="1"/>
+              <a:t>diagrams</a:t>
+            </a:r>
+            <a:endParaRPr lang="fr-BE" dirty="0"/>
           </a:p>
         </p:txBody>
       </p:sp>
@@ -6381,8 +8585,8 @@
         </p:blipFill>
         <p:spPr>
           <a:xfrm>
-            <a:off x="457200" y="1469507"/>
-            <a:ext cx="8229600" cy="4896887"/>
+            <a:off x="611560" y="1467569"/>
+            <a:ext cx="7598054" cy="5057775"/>
           </a:xfrm>
         </p:spPr>
       </p:pic>
@@ -6418,7 +8622,7 @@
     </p:spTree>
     <p:extLst>
       <p:ext uri="{BB962C8B-B14F-4D97-AF65-F5344CB8AC3E}">
-        <p14:creationId xmlns:p14="http://schemas.microsoft.com/office/powerpoint/2010/main" val="3040565817"/>
+        <p14:creationId xmlns:p14="http://schemas.microsoft.com/office/powerpoint/2010/main" val="2944123524"/>
       </p:ext>
     </p:extLst>
   </p:cSld>
@@ -6469,49 +8673,16 @@
           <a:p>
             <a:r>
               <a:rPr lang="fr-BE" dirty="0" smtClean="0"/>
-              <a:t>4. </a:t>
-            </a:r>
-            <a:r>
-              <a:rPr lang="fr-BE" dirty="0"/>
-              <a:t>Activity </a:t>
-            </a:r>
-            <a:r>
-              <a:rPr lang="fr-BE" dirty="0" err="1"/>
-              <a:t>diagrams</a:t>
+              <a:t>Solution :</a:t>
+            </a:r>
+            <a:r>
+              <a:rPr lang="fr-BE" dirty="0" smtClean="0"/>
+              <a:t>DSL</a:t>
             </a:r>
             <a:endParaRPr lang="fr-BE" dirty="0"/>
           </a:p>
         </p:txBody>
       </p:sp>
-      <p:pic>
-        <p:nvPicPr>
-          <p:cNvPr id="5" name="Espace réservé du contenu 4"/>
-          <p:cNvPicPr>
-            <a:picLocks noGrp="1" noChangeAspect="1"/>
-          </p:cNvPicPr>
-          <p:nvPr>
-            <p:ph idx="1"/>
-          </p:nvPr>
-        </p:nvPicPr>
-        <p:blipFill>
-          <a:blip r:embed="rId2">
-            <a:extLst>
-              <a:ext uri="{28A0092B-C50C-407E-A947-70E740481C1C}">
-                <a14:useLocalDpi xmlns:a14="http://schemas.microsoft.com/office/drawing/2010/main" val="0"/>
-              </a:ext>
-            </a:extLst>
-          </a:blip>
-          <a:stretch>
-            <a:fillRect/>
-          </a:stretch>
-        </p:blipFill>
-        <p:spPr>
-          <a:xfrm>
-            <a:off x="611560" y="1467569"/>
-            <a:ext cx="7598054" cy="5057775"/>
-          </a:xfrm>
-        </p:spPr>
-      </p:pic>
       <p:sp>
         <p:nvSpPr>
           <p:cNvPr id="4" name="Espace réservé du numéro de diapositive 3"/>
@@ -6541,10 +8712,130 @@
           </a:p>
         </p:txBody>
       </p:sp>
+      <p:sp>
+        <p:nvSpPr>
+          <p:cNvPr id="3" name="Espace réservé du contenu 2"/>
+          <p:cNvSpPr>
+            <a:spLocks noGrp="1"/>
+          </p:cNvSpPr>
+          <p:nvPr>
+            <p:ph idx="1"/>
+          </p:nvPr>
+        </p:nvSpPr>
+        <p:spPr>
+          <a:xfrm>
+            <a:off x="457200" y="1388282"/>
+            <a:ext cx="7787208" cy="5058078"/>
+          </a:xfrm>
+        </p:spPr>
+        <p:txBody>
+          <a:bodyPr/>
+          <a:lstStyle/>
+          <a:p>
+            <a:pPr marL="514350" indent="-514350">
+              <a:buAutoNum type="arabicPeriod"/>
+            </a:pPr>
+            <a:endParaRPr lang="fr-FR" dirty="0" smtClean="0"/>
+          </a:p>
+          <a:p>
+            <a:pPr marL="514350" indent="-514350">
+              <a:buAutoNum type="arabicPeriod"/>
+            </a:pPr>
+            <a:r>
+              <a:rPr lang="fr-FR" sz="3600" dirty="0" smtClean="0">
+                <a:solidFill>
+                  <a:schemeClr val="tx1"/>
+                </a:solidFill>
+              </a:rPr>
+              <a:t>Type </a:t>
+            </a:r>
+            <a:r>
+              <a:rPr lang="fr-FR" sz="3600" dirty="0" err="1" smtClean="0">
+                <a:solidFill>
+                  <a:schemeClr val="tx1"/>
+                </a:solidFill>
+              </a:rPr>
+              <a:t>Declaration</a:t>
+            </a:r>
+            <a:endParaRPr lang="fr-FR" sz="3600" dirty="0" smtClean="0">
+              <a:solidFill>
+                <a:schemeClr val="tx1"/>
+              </a:solidFill>
+            </a:endParaRPr>
+          </a:p>
+          <a:p>
+            <a:pPr marL="514350" indent="-514350">
+              <a:buAutoNum type="arabicPeriod"/>
+            </a:pPr>
+            <a:endParaRPr lang="fr-FR" sz="3600" dirty="0" smtClean="0">
+              <a:solidFill>
+                <a:schemeClr val="tx1"/>
+              </a:solidFill>
+            </a:endParaRPr>
+          </a:p>
+          <a:p>
+            <a:pPr marL="514350" indent="-514350">
+              <a:buAutoNum type="arabicPeriod"/>
+            </a:pPr>
+            <a:r>
+              <a:rPr lang="fr-FR" sz="3600" dirty="0" smtClean="0">
+                <a:solidFill>
+                  <a:schemeClr val="tx1"/>
+                </a:solidFill>
+              </a:rPr>
+              <a:t>Network </a:t>
+            </a:r>
+            <a:r>
+              <a:rPr lang="fr-FR" sz="3600" dirty="0" smtClean="0">
+                <a:solidFill>
+                  <a:schemeClr val="tx1"/>
+                </a:solidFill>
+              </a:rPr>
+              <a:t>Configuration</a:t>
+            </a:r>
+          </a:p>
+          <a:p>
+            <a:pPr marL="514350" indent="-514350">
+              <a:buAutoNum type="arabicPeriod"/>
+            </a:pPr>
+            <a:endParaRPr lang="fr-FR" dirty="0" smtClean="0">
+              <a:solidFill>
+                <a:schemeClr val="tx1"/>
+              </a:solidFill>
+            </a:endParaRPr>
+          </a:p>
+          <a:p>
+            <a:pPr marL="514350" indent="-514350">
+              <a:buAutoNum type="arabicPeriod"/>
+            </a:pPr>
+            <a:r>
+              <a:rPr lang="fr-FR" sz="3600" dirty="0" smtClean="0">
+                <a:solidFill>
+                  <a:schemeClr val="tx1"/>
+                </a:solidFill>
+              </a:rPr>
+              <a:t>Business </a:t>
+            </a:r>
+            <a:r>
+              <a:rPr lang="fr-FR" sz="3600" dirty="0" err="1" smtClean="0">
+                <a:solidFill>
+                  <a:schemeClr val="tx1"/>
+                </a:solidFill>
+              </a:rPr>
+              <a:t>Rules</a:t>
+            </a:r>
+            <a:endParaRPr lang="fr-FR" sz="3600" dirty="0">
+              <a:solidFill>
+                <a:schemeClr val="tx1"/>
+              </a:solidFill>
+            </a:endParaRPr>
+          </a:p>
+        </p:txBody>
+      </p:sp>
     </p:spTree>
     <p:extLst>
       <p:ext uri="{BB962C8B-B14F-4D97-AF65-F5344CB8AC3E}">
-        <p14:creationId xmlns:p14="http://schemas.microsoft.com/office/powerpoint/2010/main" val="2944123524"/>
+        <p14:creationId xmlns:p14="http://schemas.microsoft.com/office/powerpoint/2010/main" val="2117411889"/>
       </p:ext>
     </p:extLst>
   </p:cSld>
@@ -6594,14 +8885,14 @@
           <a:lstStyle/>
           <a:p>
             <a:r>
-              <a:rPr lang="fr-BE" dirty="0" smtClean="0"/>
-              <a:t>5. </a:t>
-            </a:r>
-            <a:r>
-              <a:rPr lang="fr-BE" dirty="0" err="1" smtClean="0"/>
-              <a:t>Metamodel</a:t>
-            </a:r>
-            <a:endParaRPr lang="fr-BE" dirty="0"/>
+              <a:rPr lang="fr-FR" dirty="0" smtClean="0"/>
+              <a:t>Type </a:t>
+            </a:r>
+            <a:r>
+              <a:rPr lang="fr-FR" dirty="0" err="1" smtClean="0"/>
+              <a:t>Declaration</a:t>
+            </a:r>
+            <a:endParaRPr lang="fr-FR" dirty="0"/>
           </a:p>
         </p:txBody>
       </p:sp>
@@ -6634,63 +8925,10 @@
           </a:p>
         </p:txBody>
       </p:sp>
-      <p:sp>
-        <p:nvSpPr>
-          <p:cNvPr id="3" name="Espace réservé du contenu 2"/>
-          <p:cNvSpPr>
-            <a:spLocks noGrp="1"/>
-          </p:cNvSpPr>
-          <p:nvPr>
-            <p:ph idx="1"/>
-          </p:nvPr>
-        </p:nvSpPr>
-        <p:spPr/>
-        <p:txBody>
-          <a:bodyPr/>
-          <a:lstStyle/>
-          <a:p>
-            <a:pPr marL="514350" indent="-514350">
-              <a:buAutoNum type="arabicPeriod"/>
-            </a:pPr>
-            <a:r>
-              <a:rPr lang="fr-FR" dirty="0" smtClean="0"/>
-              <a:t>Type </a:t>
-            </a:r>
-            <a:r>
-              <a:rPr lang="fr-FR" dirty="0" err="1" smtClean="0"/>
-              <a:t>Declaration</a:t>
-            </a:r>
-            <a:endParaRPr lang="fr-FR" dirty="0" smtClean="0"/>
-          </a:p>
-          <a:p>
-            <a:pPr marL="514350" indent="-514350">
-              <a:buAutoNum type="arabicPeriod"/>
-            </a:pPr>
-            <a:r>
-              <a:rPr lang="fr-FR" dirty="0" smtClean="0"/>
-              <a:t>Network Configuration</a:t>
-            </a:r>
-          </a:p>
-          <a:p>
-            <a:pPr marL="514350" indent="-514350">
-              <a:buAutoNum type="arabicPeriod"/>
-            </a:pPr>
-            <a:r>
-              <a:rPr lang="fr-FR" dirty="0" smtClean="0"/>
-              <a:t>Business </a:t>
-            </a:r>
-            <a:r>
-              <a:rPr lang="fr-FR" dirty="0" err="1" smtClean="0"/>
-              <a:t>Rules</a:t>
-            </a:r>
-            <a:endParaRPr lang="fr-FR" dirty="0"/>
-          </a:p>
-        </p:txBody>
-      </p:sp>
     </p:spTree>
     <p:extLst>
       <p:ext uri="{BB962C8B-B14F-4D97-AF65-F5344CB8AC3E}">
-        <p14:creationId xmlns:p14="http://schemas.microsoft.com/office/powerpoint/2010/main" val="2117411889"/>
+        <p14:creationId xmlns:p14="http://schemas.microsoft.com/office/powerpoint/2010/main" val="432675250"/>
       </p:ext>
     </p:extLst>
   </p:cSld>
@@ -6740,14 +8978,29 @@
           <a:lstStyle/>
           <a:p>
             <a:r>
-              <a:rPr lang="fr-FR" dirty="0" smtClean="0"/>
-              <a:t>Type </a:t>
-            </a:r>
-            <a:r>
-              <a:rPr lang="fr-FR" dirty="0" err="1" smtClean="0"/>
-              <a:t>Declaration</a:t>
-            </a:r>
-            <a:endParaRPr lang="fr-FR" dirty="0"/>
+              <a:rPr lang="fr-BE" dirty="0" smtClean="0"/>
+              <a:t>Network Configuration</a:t>
+            </a:r>
+            <a:endParaRPr lang="fr-BE" dirty="0"/>
+          </a:p>
+        </p:txBody>
+      </p:sp>
+      <p:sp>
+        <p:nvSpPr>
+          <p:cNvPr id="3" name="Espace réservé du contenu 2"/>
+          <p:cNvSpPr>
+            <a:spLocks noGrp="1"/>
+          </p:cNvSpPr>
+          <p:nvPr>
+            <p:ph idx="1"/>
+          </p:nvPr>
+        </p:nvSpPr>
+        <p:spPr/>
+        <p:txBody>
+          <a:bodyPr/>
+          <a:lstStyle/>
+          <a:p>
+            <a:endParaRPr lang="fr-BE"/>
           </a:p>
         </p:txBody>
       </p:sp>
@@ -6783,13 +9036,20 @@
     </p:spTree>
     <p:extLst>
       <p:ext uri="{BB962C8B-B14F-4D97-AF65-F5344CB8AC3E}">
-        <p14:creationId xmlns:p14="http://schemas.microsoft.com/office/powerpoint/2010/main" val="432675250"/>
+        <p14:creationId xmlns:p14="http://schemas.microsoft.com/office/powerpoint/2010/main" val="3776774783"/>
       </p:ext>
     </p:extLst>
   </p:cSld>
   <p:clrMapOvr>
     <a:masterClrMapping/>
   </p:clrMapOvr>
+  <p:timing>
+    <p:tnLst>
+      <p:par>
+        <p:cTn id="1" dur="indefinite" restart="never" nodeType="tmRoot"/>
+      </p:par>
+    </p:tnLst>
+  </p:timing>
 </p:sld>
 </file>
 
